--- a/presentation/17_final.pptx
+++ b/presentation/17_final.pptx
@@ -12,9 +12,9 @@
     <p:sldId id="260" r:id="rId7"/>
     <p:sldId id="261" r:id="rId8"/>
     <p:sldId id="262" r:id="rId9"/>
-    <p:sldId id="265" r:id="rId10"/>
-    <p:sldId id="267" r:id="rId11"/>
-    <p:sldId id="268" r:id="rId12"/>
+    <p:sldId id="263" r:id="rId10"/>
+    <p:sldId id="264" r:id="rId11"/>
+    <p:sldId id="265" r:id="rId12"/>
   </p:sldIdLst>
   <p:sldSz cx="18288000" cy="10287000"/>
   <p:notesSz cx="6858000" cy="9144000"/>
@@ -37,10 +37,6 @@
       <p:bold r:id="rId20"/>
       <p:italic r:id="rId21"/>
       <p:boldItalic r:id="rId22"/>
-    </p:embeddedFont>
-    <p:embeddedFont>
-      <p:font typeface="DM Sans" charset="0"/>
-      <p:regular r:id="rId23"/>
     </p:embeddedFont>
   </p:embeddedFontLst>
   <p:defaultTextStyle>
@@ -3194,7 +3190,7 @@
               </a:extLst>
             </a:blip>
             <a:stretch>
-              <a:fillRect/>
+              <a:fillRect t="-411" b="-411"/>
             </a:stretch>
           </a:blipFill>
         </p:spPr>
@@ -3246,7 +3242,7 @@
               </a:extLst>
             </a:blip>
             <a:stretch>
-              <a:fillRect/>
+              <a:fillRect l="-169" r="-169"/>
             </a:stretch>
           </a:blipFill>
         </p:spPr>
@@ -3298,7 +3294,7 @@
               </a:extLst>
             </a:blip>
             <a:stretch>
-              <a:fillRect/>
+              <a:fillRect t="-67" b="-67"/>
             </a:stretch>
           </a:blipFill>
         </p:spPr>
@@ -3350,7 +3346,7 @@
               </a:extLst>
             </a:blip>
             <a:stretch>
-              <a:fillRect/>
+              <a:fillRect t="-174" b="-174"/>
             </a:stretch>
           </a:blipFill>
         </p:spPr>
@@ -3363,8 +3359,8 @@
         </p:nvSpPr>
         <p:spPr>
           <a:xfrm>
-            <a:off x="684138" y="2836486"/>
-            <a:ext cx="10990172" cy="2863215"/>
+            <a:off x="684138" y="2160211"/>
+            <a:ext cx="10990172" cy="3539490"/>
           </a:xfrm>
           <a:prstGeom prst="rect">
             <a:avLst/>
@@ -3413,8 +3409,8 @@
         </p:nvSpPr>
         <p:spPr>
           <a:xfrm>
-            <a:off x="1028700" y="5162277"/>
-            <a:ext cx="8626948" cy="944880"/>
+            <a:off x="1028700" y="4943202"/>
+            <a:ext cx="8626948" cy="1163955"/>
           </a:xfrm>
           <a:prstGeom prst="rect">
             <a:avLst/>
@@ -3463,8 +3459,8 @@
         </p:nvSpPr>
         <p:spPr>
           <a:xfrm>
-            <a:off x="1055075" y="7987302"/>
-            <a:ext cx="8255404" cy="405765"/>
+            <a:off x="1055075" y="7939677"/>
+            <a:ext cx="8255404" cy="453390"/>
           </a:xfrm>
           <a:prstGeom prst="rect">
             <a:avLst/>
@@ -3552,7 +3548,7 @@
               </a:extLst>
             </a:blip>
             <a:stretch>
-              <a:fillRect/>
+              <a:fillRect t="-187" b="-187"/>
             </a:stretch>
           </a:blipFill>
         </p:spPr>
@@ -3604,7 +3600,7 @@
               </a:extLst>
             </a:blip>
             <a:stretch>
-              <a:fillRect/>
+              <a:fillRect t="-295" b="-295"/>
             </a:stretch>
           </a:blipFill>
         </p:spPr>
@@ -3656,7 +3652,7 @@
               </a:extLst>
             </a:blip>
             <a:stretch>
-              <a:fillRect/>
+              <a:fillRect l="-277" r="-277"/>
             </a:stretch>
           </a:blipFill>
         </p:spPr>
@@ -3708,7 +3704,7 @@
               </a:extLst>
             </a:blip>
             <a:stretch>
-              <a:fillRect/>
+              <a:fillRect l="-63" r="-63"/>
             </a:stretch>
           </a:blipFill>
         </p:spPr>
@@ -3721,8 +3717,8 @@
         </p:nvSpPr>
         <p:spPr>
           <a:xfrm>
-            <a:off x="2118688" y="1192630"/>
-            <a:ext cx="1409367" cy="782681"/>
+            <a:off x="2118688" y="1240255"/>
+            <a:ext cx="1409367" cy="735056"/>
           </a:xfrm>
           <a:prstGeom prst="rect">
             <a:avLst/>
@@ -3738,9 +3734,6 @@
               <a:lnSpc>
                 <a:spcPts val="2970"/>
               </a:lnSpc>
-              <a:spcBef>
-                <a:spcPct val="0"/>
-              </a:spcBef>
             </a:pPr>
             <a:r>
               <a:rPr lang="en-US" sz="2970" spc="374">
@@ -3769,9 +3762,6 @@
               <a:lnSpc>
                 <a:spcPts val="2970"/>
               </a:lnSpc>
-              <a:spcBef>
-                <a:spcPct val="0"/>
-              </a:spcBef>
             </a:pPr>
           </a:p>
         </p:txBody>
@@ -3823,7 +3813,7 @@
               </a:extLst>
             </a:blip>
             <a:stretch>
-              <a:fillRect/>
+              <a:fillRect t="-391" b="-391"/>
             </a:stretch>
           </a:blipFill>
         </p:spPr>
@@ -3831,17 +3821,15 @@
       <p:grpSp>
         <p:nvGrpSpPr>
           <p:cNvPr id="16" name="Group 16"/>
-          <p:cNvGrpSpPr>
-            <a:grpSpLocks noChangeAspect="1"/>
-          </p:cNvGrpSpPr>
+          <p:cNvGrpSpPr/>
           <p:nvPr/>
         </p:nvGrpSpPr>
         <p:grpSpPr>
           <a:xfrm rot="1977585">
-            <a:off x="17291502" y="858834"/>
-            <a:ext cx="512498" cy="269991"/>
+            <a:off x="17278616" y="858131"/>
+            <a:ext cx="533111" cy="280095"/>
             <a:chOff x="0" y="0"/>
-            <a:chExt cx="1610360" cy="848360"/>
+            <a:chExt cx="710815" cy="373461"/>
           </a:xfrm>
         </p:grpSpPr>
         <p:sp>
@@ -3852,8 +3840,8 @@
           </p:nvSpPr>
           <p:spPr>
             <a:xfrm>
-              <a:off x="-31750" y="0"/>
-              <a:ext cx="1675130" cy="880110"/>
+              <a:off x="0" y="0"/>
+              <a:ext cx="710819" cy="373507"/>
             </a:xfrm>
             <a:custGeom>
               <a:avLst/>
@@ -3862,54 +3850,54 @@
               <a:cxnLst/>
               <a:rect l="l" t="t" r="r" b="b"/>
               <a:pathLst>
-                <a:path w="1675130" h="880110">
+                <a:path w="710819" h="373507">
                   <a:moveTo>
-                    <a:pt x="266700" y="848360"/>
+                    <a:pt x="113157" y="360045"/>
                   </a:moveTo>
                   <a:cubicBezTo>
-                    <a:pt x="236220" y="848360"/>
-                    <a:pt x="205740" y="842010"/>
-                    <a:pt x="175260" y="829310"/>
+                    <a:pt x="100203" y="360045"/>
+                    <a:pt x="87249" y="357378"/>
+                    <a:pt x="74295" y="351917"/>
                   </a:cubicBezTo>
                   <a:cubicBezTo>
-                    <a:pt x="55880" y="778510"/>
-                    <a:pt x="0" y="641350"/>
-                    <a:pt x="50800" y="521970"/>
+                    <a:pt x="23749" y="330327"/>
+                    <a:pt x="0" y="272161"/>
+                    <a:pt x="21590" y="221488"/>
                   </a:cubicBezTo>
                   <a:cubicBezTo>
-                    <a:pt x="184150" y="204470"/>
-                    <a:pt x="492760" y="0"/>
-                    <a:pt x="836930" y="0"/>
+                    <a:pt x="78105" y="86741"/>
+                    <a:pt x="209042" y="0"/>
+                    <a:pt x="355092" y="0"/>
                   </a:cubicBezTo>
                   <a:cubicBezTo>
-                    <a:pt x="1181100" y="0"/>
-                    <a:pt x="1489710" y="204470"/>
-                    <a:pt x="1624330" y="521970"/>
+                    <a:pt x="501142" y="0"/>
+                    <a:pt x="632079" y="86741"/>
+                    <a:pt x="689229" y="221488"/>
                   </a:cubicBezTo>
                   <a:cubicBezTo>
-                    <a:pt x="1675130" y="641350"/>
-                    <a:pt x="1619250" y="779780"/>
-                    <a:pt x="1499870" y="829310"/>
+                    <a:pt x="710819" y="272161"/>
+                    <a:pt x="687070" y="330835"/>
+                    <a:pt x="636397" y="351917"/>
                   </a:cubicBezTo>
                   <a:cubicBezTo>
-                    <a:pt x="1380490" y="880110"/>
-                    <a:pt x="1242060" y="824230"/>
-                    <a:pt x="1192530" y="704850"/>
+                    <a:pt x="585724" y="373507"/>
+                    <a:pt x="527050" y="349758"/>
+                    <a:pt x="505968" y="299085"/>
                   </a:cubicBezTo>
                   <a:cubicBezTo>
-                    <a:pt x="1131570" y="562610"/>
-                    <a:pt x="991870" y="469900"/>
-                    <a:pt x="836930" y="469900"/>
+                    <a:pt x="480060" y="238760"/>
+                    <a:pt x="420878" y="199390"/>
+                    <a:pt x="355092" y="199390"/>
                   </a:cubicBezTo>
                   <a:cubicBezTo>
-                    <a:pt x="681990" y="469900"/>
-                    <a:pt x="543560" y="562610"/>
-                    <a:pt x="482600" y="704850"/>
+                    <a:pt x="289306" y="199390"/>
+                    <a:pt x="230632" y="238760"/>
+                    <a:pt x="204724" y="299085"/>
                   </a:cubicBezTo>
                   <a:cubicBezTo>
-                    <a:pt x="445770" y="793750"/>
-                    <a:pt x="358140" y="848360"/>
-                    <a:pt x="266700" y="848360"/>
+                    <a:pt x="189103" y="336804"/>
+                    <a:pt x="151892" y="359918"/>
+                    <a:pt x="113157" y="359918"/>
                   </a:cubicBezTo>
                   <a:close/>
                 </a:path>
@@ -3968,7 +3956,7 @@
               </a:extLst>
             </a:blip>
             <a:stretch>
-              <a:fillRect/>
+              <a:fillRect l="-29" r="-29"/>
             </a:stretch>
           </a:blipFill>
         </p:spPr>
@@ -4020,7 +4008,7 @@
               </a:extLst>
             </a:blip>
             <a:stretch>
-              <a:fillRect/>
+              <a:fillRect l="-831" r="-831"/>
             </a:stretch>
           </a:blipFill>
         </p:spPr>
@@ -4072,7 +4060,7 @@
               </a:extLst>
             </a:blip>
             <a:stretch>
-              <a:fillRect/>
+              <a:fillRect t="-391" b="-391"/>
             </a:stretch>
           </a:blipFill>
         </p:spPr>
@@ -4088,7 +4076,7 @@
             <a:off x="14170004" y="614952"/>
             <a:ext cx="252393" cy="252393"/>
             <a:chOff x="0" y="0"/>
-            <a:chExt cx="6350000" cy="6350000"/>
+            <a:chExt cx="336524" cy="336524"/>
           </a:xfrm>
         </p:grpSpPr>
         <p:sp>
@@ -4100,7 +4088,7 @@
           <p:spPr>
             <a:xfrm>
               <a:off x="0" y="0"/>
-              <a:ext cx="6350000" cy="6350000"/>
+              <a:ext cx="336550" cy="336550"/>
             </a:xfrm>
             <a:custGeom>
               <a:avLst/>
@@ -4109,29 +4097,29 @@
               <a:cxnLst/>
               <a:rect l="l" t="t" r="r" b="b"/>
               <a:pathLst>
-                <a:path w="6350000" h="6350000">
+                <a:path w="336550" h="336550">
                   <a:moveTo>
-                    <a:pt x="3175000" y="0"/>
+                    <a:pt x="168275" y="0"/>
                   </a:moveTo>
                   <a:cubicBezTo>
-                    <a:pt x="1421496" y="0"/>
-                    <a:pt x="0" y="1421496"/>
-                    <a:pt x="0" y="3175000"/>
+                    <a:pt x="75311" y="0"/>
+                    <a:pt x="0" y="75311"/>
+                    <a:pt x="0" y="168275"/>
                   </a:cubicBezTo>
                   <a:cubicBezTo>
-                    <a:pt x="0" y="4928504"/>
-                    <a:pt x="1421496" y="6350000"/>
-                    <a:pt x="3175000" y="6350000"/>
+                    <a:pt x="0" y="261239"/>
+                    <a:pt x="75311" y="336550"/>
+                    <a:pt x="168275" y="336550"/>
                   </a:cubicBezTo>
                   <a:cubicBezTo>
-                    <a:pt x="4928504" y="6350000"/>
-                    <a:pt x="6350000" y="4928504"/>
-                    <a:pt x="6350000" y="3175000"/>
+                    <a:pt x="261239" y="336550"/>
+                    <a:pt x="336550" y="261239"/>
+                    <a:pt x="336550" y="168275"/>
                   </a:cubicBezTo>
                   <a:cubicBezTo>
-                    <a:pt x="6350000" y="1421496"/>
-                    <a:pt x="4928504" y="0"/>
-                    <a:pt x="3175000" y="0"/>
+                    <a:pt x="336550" y="75311"/>
+                    <a:pt x="261239" y="0"/>
+                    <a:pt x="168275" y="0"/>
                   </a:cubicBezTo>
                   <a:close/>
                 </a:path>
@@ -4146,17 +4134,15 @@
       <p:grpSp>
         <p:nvGrpSpPr>
           <p:cNvPr id="23" name="Group 23"/>
-          <p:cNvGrpSpPr>
-            <a:grpSpLocks noChangeAspect="1"/>
-          </p:cNvGrpSpPr>
+          <p:cNvGrpSpPr/>
           <p:nvPr/>
         </p:nvGrpSpPr>
         <p:grpSpPr>
           <a:xfrm rot="-921396">
-            <a:off x="16540798" y="9558525"/>
-            <a:ext cx="547777" cy="288577"/>
+            <a:off x="16531420" y="9558275"/>
+            <a:ext cx="569809" cy="299377"/>
             <a:chOff x="0" y="0"/>
-            <a:chExt cx="1610360" cy="848360"/>
+            <a:chExt cx="759745" cy="399169"/>
           </a:xfrm>
         </p:grpSpPr>
         <p:sp>
@@ -4167,8 +4153,8 @@
           </p:nvSpPr>
           <p:spPr>
             <a:xfrm>
-              <a:off x="-31750" y="0"/>
-              <a:ext cx="1675130" cy="880110"/>
+              <a:off x="0" y="0"/>
+              <a:ext cx="759714" cy="399161"/>
             </a:xfrm>
             <a:custGeom>
               <a:avLst/>
@@ -4177,54 +4163,54 @@
               <a:cxnLst/>
               <a:rect l="l" t="t" r="r" b="b"/>
               <a:pathLst>
-                <a:path w="1675130" h="880110">
+                <a:path w="759714" h="399161">
                   <a:moveTo>
-                    <a:pt x="266700" y="848360"/>
+                    <a:pt x="120904" y="384810"/>
                   </a:moveTo>
                   <a:cubicBezTo>
-                    <a:pt x="236220" y="848360"/>
-                    <a:pt x="205740" y="842010"/>
-                    <a:pt x="175260" y="829310"/>
+                    <a:pt x="107061" y="384810"/>
+                    <a:pt x="93218" y="381889"/>
+                    <a:pt x="79375" y="376174"/>
                   </a:cubicBezTo>
                   <a:cubicBezTo>
-                    <a:pt x="55880" y="778510"/>
-                    <a:pt x="0" y="641350"/>
-                    <a:pt x="50800" y="521970"/>
+                    <a:pt x="25400" y="353060"/>
+                    <a:pt x="0" y="290830"/>
+                    <a:pt x="22987" y="236728"/>
                   </a:cubicBezTo>
                   <a:cubicBezTo>
-                    <a:pt x="184150" y="204470"/>
-                    <a:pt x="492760" y="0"/>
-                    <a:pt x="836930" y="0"/>
+                    <a:pt x="83566" y="92710"/>
+                    <a:pt x="223520" y="0"/>
+                    <a:pt x="379603" y="0"/>
                   </a:cubicBezTo>
                   <a:cubicBezTo>
-                    <a:pt x="1181100" y="0"/>
-                    <a:pt x="1489710" y="204470"/>
-                    <a:pt x="1624330" y="521970"/>
+                    <a:pt x="535686" y="0"/>
+                    <a:pt x="675640" y="92710"/>
+                    <a:pt x="736727" y="236728"/>
                   </a:cubicBezTo>
                   <a:cubicBezTo>
-                    <a:pt x="1675130" y="641350"/>
-                    <a:pt x="1619250" y="779780"/>
-                    <a:pt x="1499870" y="829310"/>
+                    <a:pt x="759714" y="290830"/>
+                    <a:pt x="734441" y="353695"/>
+                    <a:pt x="680339" y="376174"/>
                   </a:cubicBezTo>
                   <a:cubicBezTo>
-                    <a:pt x="1380490" y="880110"/>
-                    <a:pt x="1242060" y="824230"/>
-                    <a:pt x="1192530" y="704850"/>
+                    <a:pt x="626237" y="399161"/>
+                    <a:pt x="563372" y="373888"/>
+                    <a:pt x="540893" y="319786"/>
                   </a:cubicBezTo>
                   <a:cubicBezTo>
-                    <a:pt x="1131570" y="562610"/>
-                    <a:pt x="991870" y="469900"/>
-                    <a:pt x="836930" y="469900"/>
+                    <a:pt x="513207" y="255270"/>
+                    <a:pt x="449834" y="213233"/>
+                    <a:pt x="379603" y="213233"/>
                   </a:cubicBezTo>
                   <a:cubicBezTo>
-                    <a:pt x="681990" y="469900"/>
-                    <a:pt x="543560" y="562610"/>
-                    <a:pt x="482600" y="704850"/>
+                    <a:pt x="309372" y="213233"/>
+                    <a:pt x="246507" y="255270"/>
+                    <a:pt x="218948" y="319786"/>
                   </a:cubicBezTo>
                   <a:cubicBezTo>
-                    <a:pt x="445770" y="793750"/>
-                    <a:pt x="358140" y="848360"/>
-                    <a:pt x="266700" y="848360"/>
+                    <a:pt x="202184" y="360045"/>
+                    <a:pt x="162560" y="384937"/>
+                    <a:pt x="121031" y="384937"/>
                   </a:cubicBezTo>
                   <a:close/>
                 </a:path>
@@ -4262,10 +4248,10 @@
                   <a:pt x="635916" y="0"/>
                 </a:lnTo>
                 <a:lnTo>
-                  <a:pt x="635916" y="2347339"/>
-                </a:lnTo>
-                <a:lnTo>
-                  <a:pt x="0" y="2347339"/>
+                  <a:pt x="635916" y="2347340"/>
+                </a:lnTo>
+                <a:lnTo>
+                  <a:pt x="0" y="2347340"/>
                 </a:lnTo>
                 <a:lnTo>
                   <a:pt x="0" y="0"/>
@@ -4283,7 +4269,7 @@
               </a:extLst>
             </a:blip>
             <a:stretch>
-              <a:fillRect/>
+              <a:fillRect t="-138" b="-138"/>
             </a:stretch>
           </a:blipFill>
         </p:spPr>
@@ -4335,7 +4321,7 @@
               </a:extLst>
             </a:blip>
             <a:stretch>
-              <a:fillRect/>
+              <a:fillRect l="-213" r="-213"/>
             </a:stretch>
           </a:blipFill>
         </p:spPr>
@@ -4363,13 +4349,13 @@
                   <a:pt x="0" y="0"/>
                 </a:moveTo>
                 <a:lnTo>
-                  <a:pt x="464061" y="0"/>
-                </a:lnTo>
-                <a:lnTo>
-                  <a:pt x="464061" y="471781"/>
-                </a:lnTo>
-                <a:lnTo>
-                  <a:pt x="0" y="471781"/>
+                  <a:pt x="464062" y="0"/>
+                </a:lnTo>
+                <a:lnTo>
+                  <a:pt x="464062" y="471782"/>
+                </a:lnTo>
+                <a:lnTo>
+                  <a:pt x="0" y="471782"/>
                 </a:lnTo>
                 <a:lnTo>
                   <a:pt x="0" y="0"/>
@@ -4387,7 +4373,7 @@
               </a:extLst>
             </a:blip>
             <a:stretch>
-              <a:fillRect/>
+              <a:fillRect t="-185" b="-185"/>
             </a:stretch>
           </a:blipFill>
         </p:spPr>
@@ -4403,7 +4389,7 @@
             <a:off x="17374128" y="5789409"/>
             <a:ext cx="208069" cy="208069"/>
             <a:chOff x="0" y="0"/>
-            <a:chExt cx="6350000" cy="6350000"/>
+            <a:chExt cx="277425" cy="277425"/>
           </a:xfrm>
         </p:grpSpPr>
         <p:sp>
@@ -4415,7 +4401,7 @@
           <p:spPr>
             <a:xfrm>
               <a:off x="0" y="0"/>
-              <a:ext cx="6350000" cy="6350000"/>
+              <a:ext cx="277368" cy="277368"/>
             </a:xfrm>
             <a:custGeom>
               <a:avLst/>
@@ -4424,29 +4410,29 @@
               <a:cxnLst/>
               <a:rect l="l" t="t" r="r" b="b"/>
               <a:pathLst>
-                <a:path w="6350000" h="6350000">
+                <a:path w="277368" h="277368">
                   <a:moveTo>
-                    <a:pt x="3175000" y="0"/>
+                    <a:pt x="138684" y="0"/>
                   </a:moveTo>
                   <a:cubicBezTo>
-                    <a:pt x="1421496" y="0"/>
-                    <a:pt x="0" y="1421496"/>
-                    <a:pt x="0" y="3175000"/>
+                    <a:pt x="62103" y="0"/>
+                    <a:pt x="0" y="62103"/>
+                    <a:pt x="0" y="138684"/>
                   </a:cubicBezTo>
                   <a:cubicBezTo>
-                    <a:pt x="0" y="4928504"/>
-                    <a:pt x="1421496" y="6350000"/>
-                    <a:pt x="3175000" y="6350000"/>
+                    <a:pt x="0" y="215265"/>
+                    <a:pt x="62103" y="277368"/>
+                    <a:pt x="138684" y="277368"/>
                   </a:cubicBezTo>
                   <a:cubicBezTo>
-                    <a:pt x="4928504" y="6350000"/>
-                    <a:pt x="6350000" y="4928504"/>
-                    <a:pt x="6350000" y="3175000"/>
+                    <a:pt x="215265" y="277368"/>
+                    <a:pt x="277368" y="215265"/>
+                    <a:pt x="277368" y="138684"/>
                   </a:cubicBezTo>
                   <a:cubicBezTo>
-                    <a:pt x="6350000" y="1421496"/>
-                    <a:pt x="4928504" y="0"/>
-                    <a:pt x="3175000" y="0"/>
+                    <a:pt x="277368" y="62103"/>
+                    <a:pt x="215265" y="0"/>
+                    <a:pt x="138684" y="0"/>
                   </a:cubicBezTo>
                   <a:close/>
                 </a:path>
@@ -4505,7 +4491,7 @@
               </a:extLst>
             </a:blip>
             <a:stretch>
-              <a:fillRect/>
+              <a:fillRect l="-851" r="-851"/>
             </a:stretch>
           </a:blipFill>
         </p:spPr>
@@ -4557,7 +4543,7 @@
               </a:extLst>
             </a:blip>
             <a:stretch>
-              <a:fillRect/>
+              <a:fillRect l="-8" r="-8"/>
             </a:stretch>
           </a:blipFill>
         </p:spPr>
@@ -4609,7 +4595,7 @@
               </a:extLst>
             </a:blip>
             <a:stretch>
-              <a:fillRect/>
+              <a:fillRect t="-391" b="-391"/>
             </a:stretch>
           </a:blipFill>
         </p:spPr>
@@ -4625,7 +4611,7 @@
             <a:off x="12018872" y="362559"/>
             <a:ext cx="252393" cy="252393"/>
             <a:chOff x="0" y="0"/>
-            <a:chExt cx="6350000" cy="6350000"/>
+            <a:chExt cx="336524" cy="336524"/>
           </a:xfrm>
         </p:grpSpPr>
         <p:sp>
@@ -4637,7 +4623,7 @@
           <p:spPr>
             <a:xfrm>
               <a:off x="0" y="0"/>
-              <a:ext cx="6350000" cy="6350000"/>
+              <a:ext cx="336550" cy="336550"/>
             </a:xfrm>
             <a:custGeom>
               <a:avLst/>
@@ -4646,29 +4632,29 @@
               <a:cxnLst/>
               <a:rect l="l" t="t" r="r" b="b"/>
               <a:pathLst>
-                <a:path w="6350000" h="6350000">
+                <a:path w="336550" h="336550">
                   <a:moveTo>
-                    <a:pt x="3175000" y="0"/>
+                    <a:pt x="168275" y="0"/>
                   </a:moveTo>
                   <a:cubicBezTo>
-                    <a:pt x="1421496" y="0"/>
-                    <a:pt x="0" y="1421496"/>
-                    <a:pt x="0" y="3175000"/>
+                    <a:pt x="75311" y="0"/>
+                    <a:pt x="0" y="75311"/>
+                    <a:pt x="0" y="168275"/>
                   </a:cubicBezTo>
                   <a:cubicBezTo>
-                    <a:pt x="0" y="4928504"/>
-                    <a:pt x="1421496" y="6350000"/>
-                    <a:pt x="3175000" y="6350000"/>
+                    <a:pt x="0" y="261239"/>
+                    <a:pt x="75311" y="336550"/>
+                    <a:pt x="168275" y="336550"/>
                   </a:cubicBezTo>
                   <a:cubicBezTo>
-                    <a:pt x="4928504" y="6350000"/>
-                    <a:pt x="6350000" y="4928504"/>
-                    <a:pt x="6350000" y="3175000"/>
+                    <a:pt x="261239" y="336550"/>
+                    <a:pt x="336550" y="261239"/>
+                    <a:pt x="336550" y="168275"/>
                   </a:cubicBezTo>
                   <a:cubicBezTo>
-                    <a:pt x="6350000" y="1421496"/>
-                    <a:pt x="4928504" y="0"/>
-                    <a:pt x="3175000" y="0"/>
+                    <a:pt x="336550" y="75311"/>
+                    <a:pt x="261239" y="0"/>
+                    <a:pt x="168275" y="0"/>
                   </a:cubicBezTo>
                   <a:close/>
                 </a:path>
@@ -4688,8 +4674,8 @@
         </p:nvSpPr>
         <p:spPr>
           <a:xfrm>
-            <a:off x="1055075" y="5825075"/>
-            <a:ext cx="8626948" cy="944880"/>
+            <a:off x="1055075" y="5606000"/>
+            <a:ext cx="8626948" cy="1163955"/>
           </a:xfrm>
           <a:prstGeom prst="rect">
             <a:avLst/>
@@ -4798,13 +4784,13 @@
                   <a:pt x="0" y="0"/>
                 </a:moveTo>
                 <a:lnTo>
-                  <a:pt x="19258070" y="0"/>
-                </a:lnTo>
-                <a:lnTo>
-                  <a:pt x="19258070" y="19258070"/>
-                </a:lnTo>
-                <a:lnTo>
-                  <a:pt x="0" y="19258070"/>
+                  <a:pt x="19258069" y="0"/>
+                </a:lnTo>
+                <a:lnTo>
+                  <a:pt x="19258069" y="19258069"/>
+                </a:lnTo>
+                <a:lnTo>
+                  <a:pt x="0" y="19258069"/>
                 </a:lnTo>
                 <a:lnTo>
                   <a:pt x="0" y="0"/>
@@ -4836,8 +4822,8 @@
         </p:nvSpPr>
         <p:spPr>
           <a:xfrm>
-            <a:off x="2174397" y="3290107"/>
-            <a:ext cx="13939207" cy="3286104"/>
+            <a:off x="2174397" y="2509057"/>
+            <a:ext cx="13939207" cy="4067154"/>
           </a:xfrm>
           <a:prstGeom prst="rect">
             <a:avLst/>
@@ -4925,7 +4911,7 @@
               </a:extLst>
             </a:blip>
             <a:stretch>
-              <a:fillRect/>
+              <a:fillRect t="-187" b="-187"/>
             </a:stretch>
           </a:blipFill>
         </p:spPr>
@@ -4977,7 +4963,7 @@
               </a:extLst>
             </a:blip>
             <a:stretch>
-              <a:fillRect/>
+              <a:fillRect t="-168" b="-168"/>
             </a:stretch>
           </a:blipFill>
         </p:spPr>
@@ -5005,13 +4991,13 @@
                   <a:pt x="0" y="0"/>
                 </a:moveTo>
                 <a:lnTo>
-                  <a:pt x="2053556" y="0"/>
-                </a:lnTo>
-                <a:lnTo>
-                  <a:pt x="2053556" y="2933650"/>
-                </a:lnTo>
-                <a:lnTo>
-                  <a:pt x="0" y="2933650"/>
+                  <a:pt x="2053555" y="0"/>
+                </a:lnTo>
+                <a:lnTo>
+                  <a:pt x="2053555" y="2933651"/>
+                </a:lnTo>
+                <a:lnTo>
+                  <a:pt x="0" y="2933651"/>
                 </a:lnTo>
                 <a:lnTo>
                   <a:pt x="0" y="0"/>
@@ -5029,7 +5015,7 @@
               </a:extLst>
             </a:blip>
             <a:stretch>
-              <a:fillRect/>
+              <a:fillRect l="-92" r="-92"/>
             </a:stretch>
           </a:blipFill>
         </p:spPr>
@@ -5057,10 +5043,10 @@
                   <a:pt x="0" y="0"/>
                 </a:moveTo>
                 <a:lnTo>
-                  <a:pt x="880606" y="0"/>
-                </a:lnTo>
-                <a:lnTo>
-                  <a:pt x="880606" y="1841573"/>
+                  <a:pt x="880607" y="0"/>
+                </a:lnTo>
+                <a:lnTo>
+                  <a:pt x="880607" y="1841573"/>
                 </a:lnTo>
                 <a:lnTo>
                   <a:pt x="0" y="1841573"/>
@@ -5081,7 +5067,7 @@
               </a:extLst>
             </a:blip>
             <a:stretch>
-              <a:fillRect/>
+              <a:fillRect l="-125" r="-125"/>
             </a:stretch>
           </a:blipFill>
         </p:spPr>
@@ -5133,7 +5119,7 @@
               </a:extLst>
             </a:blip>
             <a:stretch>
-              <a:fillRect/>
+              <a:fillRect t="-1103" b="-1103"/>
             </a:stretch>
           </a:blipFill>
         </p:spPr>
@@ -5185,7 +5171,7 @@
               </a:extLst>
             </a:blip>
             <a:stretch>
-              <a:fillRect/>
+              <a:fillRect t="-295" b="-295"/>
             </a:stretch>
           </a:blipFill>
         </p:spPr>
@@ -5237,7 +5223,7 @@
               </a:extLst>
             </a:blip>
             <a:stretch>
-              <a:fillRect/>
+              <a:fillRect l="-277" r="-277"/>
             </a:stretch>
           </a:blipFill>
         </p:spPr>
@@ -5289,7 +5275,7 @@
               </a:extLst>
             </a:blip>
             <a:stretch>
-              <a:fillRect/>
+              <a:fillRect l="-63" r="-63"/>
             </a:stretch>
           </a:blipFill>
         </p:spPr>
@@ -5317,10 +5303,10 @@
                   <a:pt x="0" y="0"/>
                 </a:moveTo>
                 <a:lnTo>
-                  <a:pt x="464061" y="0"/>
-                </a:lnTo>
-                <a:lnTo>
-                  <a:pt x="464061" y="471782"/>
+                  <a:pt x="464062" y="0"/>
+                </a:lnTo>
+                <a:lnTo>
+                  <a:pt x="464062" y="471782"/>
                 </a:lnTo>
                 <a:lnTo>
                   <a:pt x="0" y="471782"/>
@@ -5341,7 +5327,7 @@
               </a:extLst>
             </a:blip>
             <a:stretch>
-              <a:fillRect/>
+              <a:fillRect t="-185" b="-185"/>
             </a:stretch>
           </a:blipFill>
         </p:spPr>
@@ -5393,7 +5379,7 @@
               </a:extLst>
             </a:blip>
             <a:stretch>
-              <a:fillRect/>
+              <a:fillRect t="-391" b="-391"/>
             </a:stretch>
           </a:blipFill>
         </p:spPr>
@@ -5401,17 +5387,15 @@
       <p:grpSp>
         <p:nvGrpSpPr>
           <p:cNvPr id="14" name="Group 14"/>
-          <p:cNvGrpSpPr>
-            <a:grpSpLocks noChangeAspect="1"/>
-          </p:cNvGrpSpPr>
+          <p:cNvGrpSpPr/>
           <p:nvPr/>
         </p:nvGrpSpPr>
         <p:grpSpPr>
           <a:xfrm rot="1977585">
-            <a:off x="17291502" y="858834"/>
-            <a:ext cx="512498" cy="269991"/>
+            <a:off x="17278616" y="858131"/>
+            <a:ext cx="533111" cy="280095"/>
             <a:chOff x="0" y="0"/>
-            <a:chExt cx="1610360" cy="848360"/>
+            <a:chExt cx="710815" cy="373461"/>
           </a:xfrm>
         </p:grpSpPr>
         <p:sp>
@@ -5422,8 +5406,8 @@
           </p:nvSpPr>
           <p:spPr>
             <a:xfrm>
-              <a:off x="-31750" y="0"/>
-              <a:ext cx="1675130" cy="880110"/>
+              <a:off x="0" y="0"/>
+              <a:ext cx="710819" cy="373507"/>
             </a:xfrm>
             <a:custGeom>
               <a:avLst/>
@@ -5432,54 +5416,54 @@
               <a:cxnLst/>
               <a:rect l="l" t="t" r="r" b="b"/>
               <a:pathLst>
-                <a:path w="1675130" h="880110">
+                <a:path w="710819" h="373507">
                   <a:moveTo>
-                    <a:pt x="266700" y="848360"/>
+                    <a:pt x="113157" y="360045"/>
                   </a:moveTo>
                   <a:cubicBezTo>
-                    <a:pt x="236220" y="848360"/>
-                    <a:pt x="205740" y="842010"/>
-                    <a:pt x="175260" y="829310"/>
+                    <a:pt x="100203" y="360045"/>
+                    <a:pt x="87249" y="357378"/>
+                    <a:pt x="74295" y="351917"/>
                   </a:cubicBezTo>
                   <a:cubicBezTo>
-                    <a:pt x="55880" y="778510"/>
-                    <a:pt x="0" y="641350"/>
-                    <a:pt x="50800" y="521970"/>
+                    <a:pt x="23749" y="330327"/>
+                    <a:pt x="0" y="272161"/>
+                    <a:pt x="21590" y="221488"/>
                   </a:cubicBezTo>
                   <a:cubicBezTo>
-                    <a:pt x="184150" y="204470"/>
-                    <a:pt x="492760" y="0"/>
-                    <a:pt x="836930" y="0"/>
+                    <a:pt x="78105" y="86741"/>
+                    <a:pt x="209042" y="0"/>
+                    <a:pt x="355092" y="0"/>
                   </a:cubicBezTo>
                   <a:cubicBezTo>
-                    <a:pt x="1181100" y="0"/>
-                    <a:pt x="1489710" y="204470"/>
-                    <a:pt x="1624330" y="521970"/>
+                    <a:pt x="501142" y="0"/>
+                    <a:pt x="632079" y="86741"/>
+                    <a:pt x="689229" y="221488"/>
                   </a:cubicBezTo>
                   <a:cubicBezTo>
-                    <a:pt x="1675130" y="641350"/>
-                    <a:pt x="1619250" y="779780"/>
-                    <a:pt x="1499870" y="829310"/>
+                    <a:pt x="710819" y="272161"/>
+                    <a:pt x="687070" y="330835"/>
+                    <a:pt x="636397" y="351917"/>
                   </a:cubicBezTo>
                   <a:cubicBezTo>
-                    <a:pt x="1380490" y="880110"/>
-                    <a:pt x="1242060" y="824230"/>
-                    <a:pt x="1192530" y="704850"/>
+                    <a:pt x="585724" y="373507"/>
+                    <a:pt x="527050" y="349758"/>
+                    <a:pt x="505968" y="299085"/>
                   </a:cubicBezTo>
                   <a:cubicBezTo>
-                    <a:pt x="1131570" y="562610"/>
-                    <a:pt x="991870" y="469900"/>
-                    <a:pt x="836930" y="469900"/>
+                    <a:pt x="480060" y="238760"/>
+                    <a:pt x="420878" y="199390"/>
+                    <a:pt x="355092" y="199390"/>
                   </a:cubicBezTo>
                   <a:cubicBezTo>
-                    <a:pt x="681990" y="469900"/>
-                    <a:pt x="543560" y="562610"/>
-                    <a:pt x="482600" y="704850"/>
+                    <a:pt x="289306" y="199390"/>
+                    <a:pt x="230632" y="238760"/>
+                    <a:pt x="204724" y="299085"/>
                   </a:cubicBezTo>
                   <a:cubicBezTo>
-                    <a:pt x="445770" y="793750"/>
-                    <a:pt x="358140" y="848360"/>
-                    <a:pt x="266700" y="848360"/>
+                    <a:pt x="189103" y="336804"/>
+                    <a:pt x="151892" y="359918"/>
+                    <a:pt x="113157" y="359918"/>
                   </a:cubicBezTo>
                   <a:close/>
                 </a:path>
@@ -5502,7 +5486,7 @@
             <a:off x="2030890" y="4603934"/>
             <a:ext cx="229651" cy="229651"/>
             <a:chOff x="0" y="0"/>
-            <a:chExt cx="6350000" cy="6350000"/>
+            <a:chExt cx="306201" cy="306201"/>
           </a:xfrm>
         </p:grpSpPr>
         <p:sp>
@@ -5514,7 +5498,7 @@
           <p:spPr>
             <a:xfrm>
               <a:off x="0" y="0"/>
-              <a:ext cx="6350000" cy="6350000"/>
+              <a:ext cx="306324" cy="306197"/>
             </a:xfrm>
             <a:custGeom>
               <a:avLst/>
@@ -5523,29 +5507,29 @@
               <a:cxnLst/>
               <a:rect l="l" t="t" r="r" b="b"/>
               <a:pathLst>
-                <a:path w="6350000" h="6350000">
+                <a:path w="306324" h="306197">
                   <a:moveTo>
-                    <a:pt x="3175000" y="0"/>
+                    <a:pt x="153162" y="0"/>
                   </a:moveTo>
                   <a:cubicBezTo>
-                    <a:pt x="1421496" y="0"/>
-                    <a:pt x="0" y="1421496"/>
-                    <a:pt x="0" y="3175000"/>
+                    <a:pt x="68580" y="0"/>
+                    <a:pt x="0" y="68580"/>
+                    <a:pt x="0" y="153162"/>
                   </a:cubicBezTo>
                   <a:cubicBezTo>
-                    <a:pt x="0" y="4928504"/>
-                    <a:pt x="1421496" y="6350000"/>
-                    <a:pt x="3175000" y="6350000"/>
+                    <a:pt x="0" y="237744"/>
+                    <a:pt x="68580" y="306197"/>
+                    <a:pt x="153162" y="306197"/>
                   </a:cubicBezTo>
                   <a:cubicBezTo>
-                    <a:pt x="4928504" y="6350000"/>
-                    <a:pt x="6350000" y="4928504"/>
-                    <a:pt x="6350000" y="3175000"/>
+                    <a:pt x="237744" y="306197"/>
+                    <a:pt x="306324" y="237617"/>
+                    <a:pt x="306324" y="153035"/>
                   </a:cubicBezTo>
                   <a:cubicBezTo>
-                    <a:pt x="6350000" y="1421496"/>
-                    <a:pt x="4928504" y="0"/>
-                    <a:pt x="3175000" y="0"/>
+                    <a:pt x="306324" y="68453"/>
+                    <a:pt x="237617" y="0"/>
+                    <a:pt x="153162" y="0"/>
                   </a:cubicBezTo>
                   <a:close/>
                 </a:path>
@@ -5580,10 +5564,10 @@
                   <a:pt x="0" y="0"/>
                 </a:moveTo>
                 <a:lnTo>
-                  <a:pt x="238203" y="0"/>
-                </a:lnTo>
-                <a:lnTo>
-                  <a:pt x="238203" y="236037"/>
+                  <a:pt x="238202" y="0"/>
+                </a:lnTo>
+                <a:lnTo>
+                  <a:pt x="238202" y="236037"/>
                 </a:lnTo>
                 <a:lnTo>
                   <a:pt x="0" y="236037"/>
@@ -5604,7 +5588,7 @@
               </a:extLst>
             </a:blip>
             <a:stretch>
-              <a:fillRect/>
+              <a:fillRect l="-1527" r="-1527"/>
             </a:stretch>
           </a:blipFill>
         </p:spPr>
@@ -5656,7 +5640,7 @@
               </a:extLst>
             </a:blip>
             <a:stretch>
-              <a:fillRect/>
+              <a:fillRect l="-29" r="-29"/>
             </a:stretch>
           </a:blipFill>
         </p:spPr>
@@ -5708,7 +5692,7 @@
               </a:extLst>
             </a:blip>
             <a:stretch>
-              <a:fillRect/>
+              <a:fillRect l="-831" r="-831"/>
             </a:stretch>
           </a:blipFill>
         </p:spPr>
@@ -5724,7 +5708,7 @@
             <a:off x="2490694" y="9376318"/>
             <a:ext cx="229651" cy="229651"/>
             <a:chOff x="0" y="0"/>
-            <a:chExt cx="6350000" cy="6350000"/>
+            <a:chExt cx="306201" cy="306201"/>
           </a:xfrm>
         </p:grpSpPr>
         <p:sp>
@@ -5736,7 +5720,7 @@
           <p:spPr>
             <a:xfrm>
               <a:off x="0" y="0"/>
-              <a:ext cx="6350000" cy="6350000"/>
+              <a:ext cx="306324" cy="306197"/>
             </a:xfrm>
             <a:custGeom>
               <a:avLst/>
@@ -5745,29 +5729,29 @@
               <a:cxnLst/>
               <a:rect l="l" t="t" r="r" b="b"/>
               <a:pathLst>
-                <a:path w="6350000" h="6350000">
+                <a:path w="306324" h="306197">
                   <a:moveTo>
-                    <a:pt x="3175000" y="0"/>
+                    <a:pt x="153162" y="0"/>
                   </a:moveTo>
                   <a:cubicBezTo>
-                    <a:pt x="1421496" y="0"/>
-                    <a:pt x="0" y="1421496"/>
-                    <a:pt x="0" y="3175000"/>
+                    <a:pt x="68580" y="0"/>
+                    <a:pt x="0" y="68580"/>
+                    <a:pt x="0" y="153162"/>
                   </a:cubicBezTo>
                   <a:cubicBezTo>
-                    <a:pt x="0" y="4928504"/>
-                    <a:pt x="1421496" y="6350000"/>
-                    <a:pt x="3175000" y="6350000"/>
+                    <a:pt x="0" y="237744"/>
+                    <a:pt x="68580" y="306197"/>
+                    <a:pt x="153162" y="306197"/>
                   </a:cubicBezTo>
                   <a:cubicBezTo>
-                    <a:pt x="4928504" y="6350000"/>
-                    <a:pt x="6350000" y="4928504"/>
-                    <a:pt x="6350000" y="3175000"/>
+                    <a:pt x="237744" y="306197"/>
+                    <a:pt x="306324" y="237617"/>
+                    <a:pt x="306324" y="153035"/>
                   </a:cubicBezTo>
                   <a:cubicBezTo>
-                    <a:pt x="6350000" y="1421496"/>
-                    <a:pt x="4928504" y="0"/>
-                    <a:pt x="3175000" y="0"/>
+                    <a:pt x="306324" y="68453"/>
+                    <a:pt x="237617" y="0"/>
+                    <a:pt x="153162" y="0"/>
                   </a:cubicBezTo>
                   <a:close/>
                 </a:path>
@@ -5826,7 +5810,7 @@
               </a:extLst>
             </a:blip>
             <a:stretch>
-              <a:fillRect/>
+              <a:fillRect t="-391" b="-391"/>
             </a:stretch>
           </a:blipFill>
         </p:spPr>
@@ -5878,7 +5862,7 @@
               </a:extLst>
             </a:blip>
             <a:stretch>
-              <a:fillRect/>
+              <a:fillRect t="-391" b="-391"/>
             </a:stretch>
           </a:blipFill>
         </p:spPr>
@@ -5886,17 +5870,15 @@
       <p:grpSp>
         <p:nvGrpSpPr>
           <p:cNvPr id="25" name="Group 25"/>
-          <p:cNvGrpSpPr>
-            <a:grpSpLocks noChangeAspect="1"/>
-          </p:cNvGrpSpPr>
+          <p:cNvGrpSpPr/>
           <p:nvPr/>
         </p:nvGrpSpPr>
         <p:grpSpPr>
           <a:xfrm rot="1977585">
-            <a:off x="3370855" y="9474682"/>
-            <a:ext cx="498419" cy="262574"/>
+            <a:off x="3358323" y="9473998"/>
+            <a:ext cx="518466" cy="272401"/>
             <a:chOff x="0" y="0"/>
-            <a:chExt cx="1610360" cy="848360"/>
+            <a:chExt cx="691288" cy="363201"/>
           </a:xfrm>
         </p:grpSpPr>
         <p:sp>
@@ -5907,8 +5889,8 @@
           </p:nvSpPr>
           <p:spPr>
             <a:xfrm>
-              <a:off x="-31750" y="0"/>
-              <a:ext cx="1675130" cy="880110"/>
+              <a:off x="0" y="0"/>
+              <a:ext cx="691261" cy="363220"/>
             </a:xfrm>
             <a:custGeom>
               <a:avLst/>
@@ -5917,54 +5899,54 @@
               <a:cxnLst/>
               <a:rect l="l" t="t" r="r" b="b"/>
               <a:pathLst>
-                <a:path w="1675130" h="880110">
+                <a:path w="691261" h="363220">
                   <a:moveTo>
-                    <a:pt x="266700" y="848360"/>
+                    <a:pt x="110109" y="350139"/>
                   </a:moveTo>
                   <a:cubicBezTo>
-                    <a:pt x="236220" y="848360"/>
-                    <a:pt x="205740" y="842010"/>
-                    <a:pt x="175260" y="829310"/>
+                    <a:pt x="97536" y="350139"/>
+                    <a:pt x="84963" y="347472"/>
+                    <a:pt x="72390" y="342265"/>
                   </a:cubicBezTo>
                   <a:cubicBezTo>
-                    <a:pt x="55880" y="778510"/>
-                    <a:pt x="0" y="641350"/>
-                    <a:pt x="50800" y="521970"/>
+                    <a:pt x="23114" y="321310"/>
+                    <a:pt x="0" y="264668"/>
+                    <a:pt x="20955" y="215392"/>
                   </a:cubicBezTo>
                   <a:cubicBezTo>
-                    <a:pt x="184150" y="204470"/>
-                    <a:pt x="492760" y="0"/>
-                    <a:pt x="836930" y="0"/>
+                    <a:pt x="75946" y="84328"/>
+                    <a:pt x="203327" y="0"/>
+                    <a:pt x="345440" y="0"/>
                   </a:cubicBezTo>
                   <a:cubicBezTo>
-                    <a:pt x="1181100" y="0"/>
-                    <a:pt x="1489710" y="204470"/>
-                    <a:pt x="1624330" y="521970"/>
+                    <a:pt x="487553" y="0"/>
+                    <a:pt x="614807" y="84328"/>
+                    <a:pt x="670306" y="215392"/>
                   </a:cubicBezTo>
                   <a:cubicBezTo>
-                    <a:pt x="1675130" y="641350"/>
-                    <a:pt x="1619250" y="779780"/>
-                    <a:pt x="1499870" y="829310"/>
+                    <a:pt x="691261" y="264668"/>
+                    <a:pt x="668147" y="321818"/>
+                    <a:pt x="618998" y="342265"/>
                   </a:cubicBezTo>
                   <a:cubicBezTo>
-                    <a:pt x="1380490" y="880110"/>
-                    <a:pt x="1242060" y="824230"/>
-                    <a:pt x="1192530" y="704850"/>
+                    <a:pt x="569722" y="363220"/>
+                    <a:pt x="512572" y="340106"/>
+                    <a:pt x="492125" y="290957"/>
                   </a:cubicBezTo>
                   <a:cubicBezTo>
-                    <a:pt x="1131570" y="562610"/>
-                    <a:pt x="991870" y="469900"/>
-                    <a:pt x="836930" y="469900"/>
+                    <a:pt x="466979" y="232283"/>
+                    <a:pt x="409321" y="194056"/>
+                    <a:pt x="345440" y="194056"/>
                   </a:cubicBezTo>
                   <a:cubicBezTo>
-                    <a:pt x="681990" y="469900"/>
-                    <a:pt x="543560" y="562610"/>
-                    <a:pt x="482600" y="704850"/>
+                    <a:pt x="281559" y="194056"/>
+                    <a:pt x="224409" y="232283"/>
+                    <a:pt x="199263" y="290957"/>
                   </a:cubicBezTo>
                   <a:cubicBezTo>
-                    <a:pt x="445770" y="793750"/>
-                    <a:pt x="358140" y="848360"/>
-                    <a:pt x="266700" y="848360"/>
+                    <a:pt x="184023" y="327660"/>
+                    <a:pt x="147955" y="350139"/>
+                    <a:pt x="110109" y="350139"/>
                   </a:cubicBezTo>
                   <a:close/>
                 </a:path>
@@ -5999,10 +5981,10 @@
                   <a:pt x="0" y="0"/>
                 </a:moveTo>
                 <a:lnTo>
-                  <a:pt x="238203" y="0"/>
-                </a:lnTo>
-                <a:lnTo>
-                  <a:pt x="238203" y="236037"/>
+                  <a:pt x="238202" y="0"/>
+                </a:lnTo>
+                <a:lnTo>
+                  <a:pt x="238202" y="236037"/>
                 </a:lnTo>
                 <a:lnTo>
                   <a:pt x="0" y="236037"/>
@@ -6023,7 +6005,7 @@
               </a:extLst>
             </a:blip>
             <a:stretch>
-              <a:fillRect/>
+              <a:fillRect l="-1527" r="-1527"/>
             </a:stretch>
           </a:blipFill>
         </p:spPr>
@@ -6039,7 +6021,7 @@
             <a:off x="14170004" y="614952"/>
             <a:ext cx="252393" cy="252393"/>
             <a:chOff x="0" y="0"/>
-            <a:chExt cx="6350000" cy="6350000"/>
+            <a:chExt cx="336524" cy="336524"/>
           </a:xfrm>
         </p:grpSpPr>
         <p:sp>
@@ -6051,7 +6033,7 @@
           <p:spPr>
             <a:xfrm>
               <a:off x="0" y="0"/>
-              <a:ext cx="6350000" cy="6350000"/>
+              <a:ext cx="336550" cy="336550"/>
             </a:xfrm>
             <a:custGeom>
               <a:avLst/>
@@ -6060,29 +6042,29 @@
               <a:cxnLst/>
               <a:rect l="l" t="t" r="r" b="b"/>
               <a:pathLst>
-                <a:path w="6350000" h="6350000">
+                <a:path w="336550" h="336550">
                   <a:moveTo>
-                    <a:pt x="3175000" y="0"/>
+                    <a:pt x="168275" y="0"/>
                   </a:moveTo>
                   <a:cubicBezTo>
-                    <a:pt x="1421496" y="0"/>
-                    <a:pt x="0" y="1421496"/>
-                    <a:pt x="0" y="3175000"/>
+                    <a:pt x="75311" y="0"/>
+                    <a:pt x="0" y="75311"/>
+                    <a:pt x="0" y="168275"/>
                   </a:cubicBezTo>
                   <a:cubicBezTo>
-                    <a:pt x="0" y="4928504"/>
-                    <a:pt x="1421496" y="6350000"/>
-                    <a:pt x="3175000" y="6350000"/>
+                    <a:pt x="0" y="261239"/>
+                    <a:pt x="75311" y="336550"/>
+                    <a:pt x="168275" y="336550"/>
                   </a:cubicBezTo>
                   <a:cubicBezTo>
-                    <a:pt x="4928504" y="6350000"/>
-                    <a:pt x="6350000" y="4928504"/>
-                    <a:pt x="6350000" y="3175000"/>
+                    <a:pt x="261239" y="336550"/>
+                    <a:pt x="336550" y="261239"/>
+                    <a:pt x="336550" y="168275"/>
                   </a:cubicBezTo>
                   <a:cubicBezTo>
-                    <a:pt x="6350000" y="1421496"/>
-                    <a:pt x="4928504" y="0"/>
-                    <a:pt x="3175000" y="0"/>
+                    <a:pt x="336550" y="75311"/>
+                    <a:pt x="261239" y="0"/>
+                    <a:pt x="168275" y="0"/>
                   </a:cubicBezTo>
                   <a:close/>
                 </a:path>
@@ -6105,7 +6087,7 @@
             <a:off x="2102176" y="1987440"/>
             <a:ext cx="229651" cy="229651"/>
             <a:chOff x="0" y="0"/>
-            <a:chExt cx="6350000" cy="6350000"/>
+            <a:chExt cx="306201" cy="306201"/>
           </a:xfrm>
         </p:grpSpPr>
         <p:sp>
@@ -6117,7 +6099,7 @@
           <p:spPr>
             <a:xfrm>
               <a:off x="0" y="0"/>
-              <a:ext cx="6350000" cy="6350000"/>
+              <a:ext cx="306324" cy="306197"/>
             </a:xfrm>
             <a:custGeom>
               <a:avLst/>
@@ -6126,29 +6108,29 @@
               <a:cxnLst/>
               <a:rect l="l" t="t" r="r" b="b"/>
               <a:pathLst>
-                <a:path w="6350000" h="6350000">
+                <a:path w="306324" h="306197">
                   <a:moveTo>
-                    <a:pt x="3175000" y="0"/>
+                    <a:pt x="153162" y="0"/>
                   </a:moveTo>
                   <a:cubicBezTo>
-                    <a:pt x="1421496" y="0"/>
-                    <a:pt x="0" y="1421496"/>
-                    <a:pt x="0" y="3175000"/>
+                    <a:pt x="68580" y="0"/>
+                    <a:pt x="0" y="68580"/>
+                    <a:pt x="0" y="153162"/>
                   </a:cubicBezTo>
                   <a:cubicBezTo>
-                    <a:pt x="0" y="4928504"/>
-                    <a:pt x="1421496" y="6350000"/>
-                    <a:pt x="3175000" y="6350000"/>
+                    <a:pt x="0" y="237744"/>
+                    <a:pt x="68580" y="306197"/>
+                    <a:pt x="153162" y="306197"/>
                   </a:cubicBezTo>
                   <a:cubicBezTo>
-                    <a:pt x="4928504" y="6350000"/>
-                    <a:pt x="6350000" y="4928504"/>
-                    <a:pt x="6350000" y="3175000"/>
+                    <a:pt x="237744" y="306197"/>
+                    <a:pt x="306324" y="237617"/>
+                    <a:pt x="306324" y="153035"/>
                   </a:cubicBezTo>
                   <a:cubicBezTo>
-                    <a:pt x="6350000" y="1421496"/>
-                    <a:pt x="4928504" y="0"/>
-                    <a:pt x="3175000" y="0"/>
+                    <a:pt x="306324" y="68453"/>
+                    <a:pt x="237617" y="0"/>
+                    <a:pt x="153162" y="0"/>
                   </a:cubicBezTo>
                   <a:close/>
                 </a:path>
@@ -6163,17 +6145,15 @@
       <p:grpSp>
         <p:nvGrpSpPr>
           <p:cNvPr id="32" name="Group 32"/>
-          <p:cNvGrpSpPr>
-            <a:grpSpLocks noChangeAspect="1"/>
-          </p:cNvGrpSpPr>
+          <p:cNvGrpSpPr/>
           <p:nvPr/>
         </p:nvGrpSpPr>
         <p:grpSpPr>
           <a:xfrm rot="-921396">
-            <a:off x="16540798" y="9558525"/>
-            <a:ext cx="547777" cy="288577"/>
+            <a:off x="16531420" y="9558275"/>
+            <a:ext cx="569809" cy="299377"/>
             <a:chOff x="0" y="0"/>
-            <a:chExt cx="1610360" cy="848360"/>
+            <a:chExt cx="759745" cy="399169"/>
           </a:xfrm>
         </p:grpSpPr>
         <p:sp>
@@ -6184,8 +6164,8 @@
           </p:nvSpPr>
           <p:spPr>
             <a:xfrm>
-              <a:off x="-31750" y="0"/>
-              <a:ext cx="1675130" cy="880110"/>
+              <a:off x="0" y="0"/>
+              <a:ext cx="759714" cy="399161"/>
             </a:xfrm>
             <a:custGeom>
               <a:avLst/>
@@ -6194,54 +6174,54 @@
               <a:cxnLst/>
               <a:rect l="l" t="t" r="r" b="b"/>
               <a:pathLst>
-                <a:path w="1675130" h="880110">
+                <a:path w="759714" h="399161">
                   <a:moveTo>
-                    <a:pt x="266700" y="848360"/>
+                    <a:pt x="120904" y="384810"/>
                   </a:moveTo>
                   <a:cubicBezTo>
-                    <a:pt x="236220" y="848360"/>
-                    <a:pt x="205740" y="842010"/>
-                    <a:pt x="175260" y="829310"/>
+                    <a:pt x="107061" y="384810"/>
+                    <a:pt x="93218" y="381889"/>
+                    <a:pt x="79375" y="376174"/>
                   </a:cubicBezTo>
                   <a:cubicBezTo>
-                    <a:pt x="55880" y="778510"/>
-                    <a:pt x="0" y="641350"/>
-                    <a:pt x="50800" y="521970"/>
+                    <a:pt x="25400" y="353060"/>
+                    <a:pt x="0" y="290830"/>
+                    <a:pt x="22987" y="236728"/>
                   </a:cubicBezTo>
                   <a:cubicBezTo>
-                    <a:pt x="184150" y="204470"/>
-                    <a:pt x="492760" y="0"/>
-                    <a:pt x="836930" y="0"/>
+                    <a:pt x="83566" y="92710"/>
+                    <a:pt x="223520" y="0"/>
+                    <a:pt x="379603" y="0"/>
                   </a:cubicBezTo>
                   <a:cubicBezTo>
-                    <a:pt x="1181100" y="0"/>
-                    <a:pt x="1489710" y="204470"/>
-                    <a:pt x="1624330" y="521970"/>
+                    <a:pt x="535686" y="0"/>
+                    <a:pt x="675640" y="92710"/>
+                    <a:pt x="736727" y="236728"/>
                   </a:cubicBezTo>
                   <a:cubicBezTo>
-                    <a:pt x="1675130" y="641350"/>
-                    <a:pt x="1619250" y="779780"/>
-                    <a:pt x="1499870" y="829310"/>
+                    <a:pt x="759714" y="290830"/>
+                    <a:pt x="734441" y="353695"/>
+                    <a:pt x="680339" y="376174"/>
                   </a:cubicBezTo>
                   <a:cubicBezTo>
-                    <a:pt x="1380490" y="880110"/>
-                    <a:pt x="1242060" y="824230"/>
-                    <a:pt x="1192530" y="704850"/>
+                    <a:pt x="626237" y="399161"/>
+                    <a:pt x="563372" y="373888"/>
+                    <a:pt x="540893" y="319786"/>
                   </a:cubicBezTo>
                   <a:cubicBezTo>
-                    <a:pt x="1131570" y="562610"/>
-                    <a:pt x="991870" y="469900"/>
-                    <a:pt x="836930" y="469900"/>
+                    <a:pt x="513207" y="255270"/>
+                    <a:pt x="449834" y="213233"/>
+                    <a:pt x="379603" y="213233"/>
                   </a:cubicBezTo>
                   <a:cubicBezTo>
-                    <a:pt x="681990" y="469900"/>
-                    <a:pt x="543560" y="562610"/>
-                    <a:pt x="482600" y="704850"/>
+                    <a:pt x="309372" y="213233"/>
+                    <a:pt x="246507" y="255270"/>
+                    <a:pt x="218948" y="319786"/>
                   </a:cubicBezTo>
                   <a:cubicBezTo>
-                    <a:pt x="445770" y="793750"/>
-                    <a:pt x="358140" y="848360"/>
-                    <a:pt x="266700" y="848360"/>
+                    <a:pt x="202184" y="360045"/>
+                    <a:pt x="162560" y="384937"/>
+                    <a:pt x="121031" y="384937"/>
                   </a:cubicBezTo>
                   <a:close/>
                 </a:path>
@@ -6300,7 +6280,7 @@
               </a:extLst>
             </a:blip>
             <a:stretch>
-              <a:fillRect/>
+              <a:fillRect t="-271" b="-271"/>
             </a:stretch>
           </a:blipFill>
         </p:spPr>
@@ -6331,10 +6311,10 @@
                   <a:pt x="635916" y="0"/>
                 </a:lnTo>
                 <a:lnTo>
-                  <a:pt x="635916" y="2347339"/>
-                </a:lnTo>
-                <a:lnTo>
-                  <a:pt x="0" y="2347339"/>
+                  <a:pt x="635916" y="2347340"/>
+                </a:lnTo>
+                <a:lnTo>
+                  <a:pt x="0" y="2347340"/>
                 </a:lnTo>
                 <a:lnTo>
                   <a:pt x="0" y="0"/>
@@ -6352,7 +6332,7 @@
               </a:extLst>
             </a:blip>
             <a:stretch>
-              <a:fillRect/>
+              <a:fillRect t="-138" b="-138"/>
             </a:stretch>
           </a:blipFill>
         </p:spPr>
@@ -6383,10 +6363,10 @@
                   <a:pt x="1054904" y="0"/>
                 </a:lnTo>
                 <a:lnTo>
-                  <a:pt x="1054904" y="2072132"/>
-                </a:lnTo>
-                <a:lnTo>
-                  <a:pt x="0" y="2072132"/>
+                  <a:pt x="1054904" y="2072133"/>
+                </a:lnTo>
+                <a:lnTo>
+                  <a:pt x="0" y="2072133"/>
                 </a:lnTo>
                 <a:lnTo>
                   <a:pt x="0" y="0"/>
@@ -6404,7 +6384,7 @@
               </a:extLst>
             </a:blip>
             <a:stretch>
-              <a:fillRect/>
+              <a:fillRect t="-221" b="-221"/>
             </a:stretch>
           </a:blipFill>
         </p:spPr>
@@ -6456,7 +6436,7 @@
               </a:extLst>
             </a:blip>
             <a:stretch>
-              <a:fillRect/>
+              <a:fillRect t="-185" b="-185"/>
             </a:stretch>
           </a:blipFill>
         </p:spPr>
@@ -6508,7 +6488,7 @@
               </a:extLst>
             </a:blip>
             <a:stretch>
-              <a:fillRect/>
+              <a:fillRect l="-213" r="-213"/>
             </a:stretch>
           </a:blipFill>
         </p:spPr>
@@ -6539,10 +6519,10 @@
                   <a:pt x="238202" y="0"/>
                 </a:lnTo>
                 <a:lnTo>
-                  <a:pt x="238202" y="236036"/>
-                </a:lnTo>
-                <a:lnTo>
-                  <a:pt x="0" y="236036"/>
+                  <a:pt x="238202" y="236037"/>
+                </a:lnTo>
+                <a:lnTo>
+                  <a:pt x="0" y="236037"/>
                 </a:lnTo>
                 <a:lnTo>
                   <a:pt x="0" y="0"/>
@@ -6560,7 +6540,7 @@
               </a:extLst>
             </a:blip>
             <a:stretch>
-              <a:fillRect/>
+              <a:fillRect l="-1527" r="-1527"/>
             </a:stretch>
           </a:blipFill>
         </p:spPr>
@@ -6588,13 +6568,13 @@
                   <a:pt x="0" y="0"/>
                 </a:moveTo>
                 <a:lnTo>
-                  <a:pt x="464061" y="0"/>
-                </a:lnTo>
-                <a:lnTo>
-                  <a:pt x="464061" y="471781"/>
-                </a:lnTo>
-                <a:lnTo>
-                  <a:pt x="0" y="471781"/>
+                  <a:pt x="464062" y="0"/>
+                </a:lnTo>
+                <a:lnTo>
+                  <a:pt x="464062" y="471782"/>
+                </a:lnTo>
+                <a:lnTo>
+                  <a:pt x="0" y="471782"/>
                 </a:lnTo>
                 <a:lnTo>
                   <a:pt x="0" y="0"/>
@@ -6612,7 +6592,7 @@
               </a:extLst>
             </a:blip>
             <a:stretch>
-              <a:fillRect/>
+              <a:fillRect t="-185" b="-185"/>
             </a:stretch>
           </a:blipFill>
         </p:spPr>
@@ -6628,7 +6608,7 @@
             <a:off x="17823320" y="5426640"/>
             <a:ext cx="208069" cy="208069"/>
             <a:chOff x="0" y="0"/>
-            <a:chExt cx="6350000" cy="6350000"/>
+            <a:chExt cx="277425" cy="277425"/>
           </a:xfrm>
         </p:grpSpPr>
         <p:sp>
@@ -6640,7 +6620,7 @@
           <p:spPr>
             <a:xfrm>
               <a:off x="0" y="0"/>
-              <a:ext cx="6350000" cy="6350000"/>
+              <a:ext cx="277368" cy="277368"/>
             </a:xfrm>
             <a:custGeom>
               <a:avLst/>
@@ -6649,29 +6629,29 @@
               <a:cxnLst/>
               <a:rect l="l" t="t" r="r" b="b"/>
               <a:pathLst>
-                <a:path w="6350000" h="6350000">
+                <a:path w="277368" h="277368">
                   <a:moveTo>
-                    <a:pt x="3175000" y="0"/>
+                    <a:pt x="138684" y="0"/>
                   </a:moveTo>
                   <a:cubicBezTo>
-                    <a:pt x="1421496" y="0"/>
-                    <a:pt x="0" y="1421496"/>
-                    <a:pt x="0" y="3175000"/>
+                    <a:pt x="62103" y="0"/>
+                    <a:pt x="0" y="62103"/>
+                    <a:pt x="0" y="138684"/>
                   </a:cubicBezTo>
                   <a:cubicBezTo>
-                    <a:pt x="0" y="4928504"/>
-                    <a:pt x="1421496" y="6350000"/>
-                    <a:pt x="3175000" y="6350000"/>
+                    <a:pt x="0" y="215265"/>
+                    <a:pt x="62103" y="277368"/>
+                    <a:pt x="138684" y="277368"/>
                   </a:cubicBezTo>
                   <a:cubicBezTo>
-                    <a:pt x="4928504" y="6350000"/>
-                    <a:pt x="6350000" y="4928504"/>
-                    <a:pt x="6350000" y="3175000"/>
+                    <a:pt x="215265" y="277368"/>
+                    <a:pt x="277368" y="215265"/>
+                    <a:pt x="277368" y="138684"/>
                   </a:cubicBezTo>
                   <a:cubicBezTo>
-                    <a:pt x="6350000" y="1421496"/>
-                    <a:pt x="4928504" y="0"/>
-                    <a:pt x="3175000" y="0"/>
+                    <a:pt x="277368" y="62103"/>
+                    <a:pt x="215265" y="0"/>
+                    <a:pt x="138684" y="0"/>
                   </a:cubicBezTo>
                   <a:close/>
                 </a:path>
@@ -6730,7 +6710,7 @@
               </a:extLst>
             </a:blip>
             <a:stretch>
-              <a:fillRect/>
+              <a:fillRect l="-851" r="-851"/>
             </a:stretch>
           </a:blipFill>
         </p:spPr>
@@ -6782,7 +6762,7 @@
               </a:extLst>
             </a:blip>
             <a:stretch>
-              <a:fillRect/>
+              <a:fillRect l="-8" r="-8"/>
             </a:stretch>
           </a:blipFill>
         </p:spPr>
@@ -6834,7 +6814,7 @@
               </a:extLst>
             </a:blip>
             <a:stretch>
-              <a:fillRect/>
+              <a:fillRect l="-851" r="-851"/>
             </a:stretch>
           </a:blipFill>
         </p:spPr>
@@ -6886,7 +6866,7 @@
               </a:extLst>
             </a:blip>
             <a:stretch>
-              <a:fillRect/>
+              <a:fillRect t="-391" b="-391"/>
             </a:stretch>
           </a:blipFill>
         </p:spPr>
@@ -6902,7 +6882,7 @@
             <a:off x="12145068" y="653113"/>
             <a:ext cx="252393" cy="252393"/>
             <a:chOff x="0" y="0"/>
-            <a:chExt cx="6350000" cy="6350000"/>
+            <a:chExt cx="336524" cy="336524"/>
           </a:xfrm>
         </p:grpSpPr>
         <p:sp>
@@ -6914,7 +6894,7 @@
           <p:spPr>
             <a:xfrm>
               <a:off x="0" y="0"/>
-              <a:ext cx="6350000" cy="6350000"/>
+              <a:ext cx="336550" cy="336550"/>
             </a:xfrm>
             <a:custGeom>
               <a:avLst/>
@@ -6923,29 +6903,29 @@
               <a:cxnLst/>
               <a:rect l="l" t="t" r="r" b="b"/>
               <a:pathLst>
-                <a:path w="6350000" h="6350000">
+                <a:path w="336550" h="336550">
                   <a:moveTo>
-                    <a:pt x="3175000" y="0"/>
+                    <a:pt x="168275" y="0"/>
                   </a:moveTo>
                   <a:cubicBezTo>
-                    <a:pt x="1421496" y="0"/>
-                    <a:pt x="0" y="1421496"/>
-                    <a:pt x="0" y="3175000"/>
+                    <a:pt x="75311" y="0"/>
+                    <a:pt x="0" y="75311"/>
+                    <a:pt x="0" y="168275"/>
                   </a:cubicBezTo>
                   <a:cubicBezTo>
-                    <a:pt x="0" y="4928504"/>
-                    <a:pt x="1421496" y="6350000"/>
-                    <a:pt x="3175000" y="6350000"/>
+                    <a:pt x="0" y="261239"/>
+                    <a:pt x="75311" y="336550"/>
+                    <a:pt x="168275" y="336550"/>
                   </a:cubicBezTo>
                   <a:cubicBezTo>
-                    <a:pt x="4928504" y="6350000"/>
-                    <a:pt x="6350000" y="4928504"/>
-                    <a:pt x="6350000" y="3175000"/>
+                    <a:pt x="261239" y="336550"/>
+                    <a:pt x="336550" y="261239"/>
+                    <a:pt x="336550" y="168275"/>
                   </a:cubicBezTo>
                   <a:cubicBezTo>
-                    <a:pt x="6350000" y="1421496"/>
-                    <a:pt x="4928504" y="0"/>
-                    <a:pt x="3175000" y="0"/>
+                    <a:pt x="336550" y="75311"/>
+                    <a:pt x="261239" y="0"/>
+                    <a:pt x="168275" y="0"/>
                   </a:cubicBezTo>
                   <a:close/>
                 </a:path>
@@ -7013,13 +6993,13 @@
                   <a:pt x="0" y="0"/>
                 </a:moveTo>
                 <a:lnTo>
-                  <a:pt x="19258070" y="0"/>
-                </a:lnTo>
-                <a:lnTo>
-                  <a:pt x="19258070" y="19258070"/>
-                </a:lnTo>
-                <a:lnTo>
-                  <a:pt x="0" y="19258070"/>
+                  <a:pt x="19258069" y="0"/>
+                </a:lnTo>
+                <a:lnTo>
+                  <a:pt x="19258069" y="19258069"/>
+                </a:lnTo>
+                <a:lnTo>
+                  <a:pt x="0" y="19258069"/>
                 </a:lnTo>
                 <a:lnTo>
                   <a:pt x="0" y="0"/>
@@ -7051,8 +7031,8 @@
         </p:nvSpPr>
         <p:spPr>
           <a:xfrm>
-            <a:off x="1028700" y="1786910"/>
-            <a:ext cx="7262705" cy="4543425"/>
+            <a:off x="1028700" y="1205885"/>
+            <a:ext cx="7262705" cy="5124450"/>
           </a:xfrm>
           <a:prstGeom prst="rect">
             <a:avLst/>
@@ -7108,8 +7088,8 @@
         </p:nvSpPr>
         <p:spPr>
           <a:xfrm>
-            <a:off x="8381304" y="1016392"/>
-            <a:ext cx="8562391" cy="1426845"/>
+            <a:off x="8381304" y="683017"/>
+            <a:ext cx="8562391" cy="1760220"/>
           </a:xfrm>
           <a:prstGeom prst="rect">
             <a:avLst/>
@@ -7158,8 +7138,8 @@
         </p:nvSpPr>
         <p:spPr>
           <a:xfrm>
-            <a:off x="8381304" y="3082348"/>
-            <a:ext cx="7072639" cy="1426845"/>
+            <a:off x="8381304" y="2748973"/>
+            <a:ext cx="7072639" cy="1760220"/>
           </a:xfrm>
           <a:prstGeom prst="rect">
             <a:avLst/>
@@ -7247,7 +7227,7 @@
               </a:extLst>
             </a:blip>
             <a:stretch>
-              <a:fillRect/>
+              <a:fillRect t="-195" b="-195"/>
             </a:stretch>
           </a:blipFill>
         </p:spPr>
@@ -7278,10 +7258,10 @@
                   <a:pt x="2268239" y="0"/>
                 </a:lnTo>
                 <a:lnTo>
-                  <a:pt x="2268239" y="2198130"/>
-                </a:lnTo>
-                <a:lnTo>
-                  <a:pt x="0" y="2198130"/>
+                  <a:pt x="2268239" y="2198129"/>
+                </a:lnTo>
+                <a:lnTo>
+                  <a:pt x="0" y="2198129"/>
                 </a:lnTo>
                 <a:lnTo>
                   <a:pt x="0" y="0"/>
@@ -7299,30 +7279,31 @@
               </a:extLst>
             </a:blip>
             <a:stretch>
-              <a:fillRect/>
+              <a:fillRect t="-83" b="-83"/>
             </a:stretch>
           </a:blipFill>
         </p:spPr>
       </p:sp>
       <p:sp>
         <p:nvSpPr>
-          <p:cNvPr id="8" name="TextBox 5"/>
+          <p:cNvPr id="8" name="TextBox 8"/>
           <p:cNvSpPr txBox="1"/>
           <p:nvPr/>
         </p:nvSpPr>
         <p:spPr>
           <a:xfrm>
-            <a:off x="8381365" y="5147945"/>
-            <a:ext cx="7867650" cy="1292225"/>
+            <a:off x="8381365" y="4814570"/>
+            <a:ext cx="7867650" cy="1625600"/>
           </a:xfrm>
           <a:prstGeom prst="rect">
             <a:avLst/>
           </a:prstGeom>
         </p:spPr>
         <p:txBody>
-          <a:bodyPr wrap="square" lIns="0" tIns="0" rIns="0" bIns="0" rtlCol="0" anchor="t">
+          <a:bodyPr lIns="0" tIns="0" rIns="0" bIns="0" rtlCol="0" anchor="t">
             <a:spAutoFit/>
           </a:bodyPr>
+          <a:lstStyle/>
           <a:p>
             <a:pPr algn="l">
               <a:lnSpc>
@@ -7409,13 +7390,13 @@
                   <a:pt x="0" y="0"/>
                 </a:moveTo>
                 <a:lnTo>
-                  <a:pt x="19258070" y="0"/>
-                </a:lnTo>
-                <a:lnTo>
-                  <a:pt x="19258070" y="19258070"/>
-                </a:lnTo>
-                <a:lnTo>
-                  <a:pt x="0" y="19258070"/>
+                  <a:pt x="19258069" y="0"/>
+                </a:lnTo>
+                <a:lnTo>
+                  <a:pt x="19258069" y="19258069"/>
+                </a:lnTo>
+                <a:lnTo>
+                  <a:pt x="0" y="19258069"/>
                 </a:lnTo>
                 <a:lnTo>
                   <a:pt x="0" y="0"/>
@@ -7447,8 +7428,8 @@
         </p:nvSpPr>
         <p:spPr>
           <a:xfrm>
-            <a:off x="1028700" y="463009"/>
-            <a:ext cx="12196875" cy="3917314"/>
+            <a:off x="1028700" y="-22766"/>
+            <a:ext cx="12196875" cy="4403089"/>
           </a:xfrm>
           <a:prstGeom prst="rect">
             <a:avLst/>
@@ -7543,14 +7524,9 @@
               </a:extLst>
             </a:blip>
             <a:stretch>
-              <a:fillRect/>
+              <a:fillRect l="-177" r="-177"/>
             </a:stretch>
           </a:blipFill>
-          <a:ln cap="sq">
-            <a:noFill/>
-            <a:prstDash val="solid"/>
-            <a:miter/>
-          </a:ln>
         </p:spPr>
       </p:sp>
       <p:sp>
@@ -7573,19 +7549,19 @@
             <a:pathLst>
               <a:path w="4202073" h="2521244">
                 <a:moveTo>
-                  <a:pt x="4202074" y="0"/>
+                  <a:pt x="4202073" y="0"/>
                 </a:moveTo>
                 <a:lnTo>
                   <a:pt x="0" y="0"/>
                 </a:lnTo>
                 <a:lnTo>
-                  <a:pt x="0" y="2521245"/>
-                </a:lnTo>
-                <a:lnTo>
-                  <a:pt x="4202074" y="2521245"/>
-                </a:lnTo>
-                <a:lnTo>
-                  <a:pt x="4202074" y="0"/>
+                  <a:pt x="0" y="2521244"/>
+                </a:lnTo>
+                <a:lnTo>
+                  <a:pt x="4202073" y="2521244"/>
+                </a:lnTo>
+                <a:lnTo>
+                  <a:pt x="4202073" y="0"/>
                 </a:lnTo>
                 <a:close/>
               </a:path>
@@ -7600,65 +7576,75 @@
               </a:extLst>
             </a:blip>
             <a:stretch>
-              <a:fillRect/>
+              <a:fillRect l="-37" r="-37"/>
             </a:stretch>
           </a:blipFill>
-          <a:ln cap="sq">
-            <a:noFill/>
-            <a:prstDash val="solid"/>
-            <a:miter/>
-          </a:ln>
-        </p:spPr>
-      </p:sp>
-      <p:sp>
-        <p:nvSpPr>
-          <p:cNvPr id="6" name="Freeform 6" descr="aspirin"/>
-          <p:cNvSpPr/>
-          <p:nvPr/>
-        </p:nvSpPr>
-        <p:spPr>
-          <a:xfrm>
+        </p:spPr>
+      </p:sp>
+      <p:grpSp>
+        <p:nvGrpSpPr>
+          <p:cNvPr id="6" name="Group 6"/>
+          <p:cNvGrpSpPr/>
+          <p:nvPr/>
+        </p:nvGrpSpPr>
+        <p:grpSpPr>
+          <a:xfrm rot="0">
             <a:off x="1748341" y="3439991"/>
             <a:ext cx="4751818" cy="3635294"/>
-          </a:xfrm>
-          <a:custGeom>
-            <a:avLst/>
-            <a:gdLst/>
-            <a:ahLst/>
-            <a:cxnLst/>
-            <a:rect l="l" t="t" r="r" b="b"/>
-            <a:pathLst>
-              <a:path w="4751818" h="3635294">
-                <a:moveTo>
-                  <a:pt x="0" y="0"/>
-                </a:moveTo>
-                <a:lnTo>
-                  <a:pt x="4751818" y="0"/>
-                </a:lnTo>
-                <a:lnTo>
-                  <a:pt x="4751818" y="3635294"/>
-                </a:lnTo>
-                <a:lnTo>
-                  <a:pt x="0" y="3635294"/>
-                </a:lnTo>
-                <a:lnTo>
-                  <a:pt x="0" y="0"/>
-                </a:lnTo>
-                <a:close/>
-              </a:path>
-            </a:pathLst>
-          </a:custGeom>
-          <a:blipFill>
-            <a:blip r:embed="rId7"/>
-            <a:stretch>
-              <a:fillRect t="-2" b="-2"/>
-            </a:stretch>
-          </a:blipFill>
-        </p:spPr>
-      </p:sp>
-      <p:sp>
-        <p:nvSpPr>
-          <p:cNvPr id="7" name="Freeform 7"/>
+            <a:chOff x="0" y="0"/>
+            <a:chExt cx="6335757" cy="4847059"/>
+          </a:xfrm>
+        </p:grpSpPr>
+        <p:sp>
+          <p:nvSpPr>
+            <p:cNvPr id="7" name="Freeform 7" descr="aspirin"/>
+            <p:cNvSpPr/>
+            <p:nvPr/>
+          </p:nvSpPr>
+          <p:spPr>
+            <a:xfrm>
+              <a:off x="0" y="0"/>
+              <a:ext cx="6335776" cy="4847082"/>
+            </a:xfrm>
+            <a:custGeom>
+              <a:avLst/>
+              <a:gdLst/>
+              <a:ahLst/>
+              <a:cxnLst/>
+              <a:rect l="l" t="t" r="r" b="b"/>
+              <a:pathLst>
+                <a:path w="6335776" h="4847082">
+                  <a:moveTo>
+                    <a:pt x="0" y="0"/>
+                  </a:moveTo>
+                  <a:lnTo>
+                    <a:pt x="6335776" y="0"/>
+                  </a:lnTo>
+                  <a:lnTo>
+                    <a:pt x="6335776" y="4847082"/>
+                  </a:lnTo>
+                  <a:lnTo>
+                    <a:pt x="0" y="4847082"/>
+                  </a:lnTo>
+                  <a:lnTo>
+                    <a:pt x="0" y="0"/>
+                  </a:lnTo>
+                  <a:close/>
+                </a:path>
+              </a:pathLst>
+            </a:custGeom>
+            <a:blipFill>
+              <a:blip r:embed="rId7"/>
+              <a:stretch>
+                <a:fillRect t="-2" b="-2"/>
+              </a:stretch>
+            </a:blipFill>
+          </p:spPr>
+        </p:sp>
+      </p:grpSp>
+      <p:sp>
+        <p:nvSpPr>
+          <p:cNvPr id="8" name="Freeform 8"/>
           <p:cNvSpPr/>
           <p:nvPr/>
         </p:nvSpPr>
@@ -7682,10 +7668,10 @@
                   <a:pt x="2734022" y="0"/>
                 </a:lnTo>
                 <a:lnTo>
-                  <a:pt x="2734022" y="977412"/>
-                </a:lnTo>
-                <a:lnTo>
-                  <a:pt x="0" y="977412"/>
+                  <a:pt x="2734022" y="977413"/>
+                </a:lnTo>
+                <a:lnTo>
+                  <a:pt x="0" y="977413"/>
                 </a:lnTo>
                 <a:lnTo>
                   <a:pt x="0" y="0"/>
@@ -7703,21 +7689,21 @@
               </a:extLst>
             </a:blip>
             <a:stretch>
-              <a:fillRect/>
+              <a:fillRect t="-505" b="-505"/>
             </a:stretch>
           </a:blipFill>
         </p:spPr>
       </p:sp>
       <p:sp>
         <p:nvSpPr>
-          <p:cNvPr id="8" name="TextBox 8"/>
+          <p:cNvPr id="9" name="TextBox 9"/>
           <p:cNvSpPr txBox="1"/>
           <p:nvPr/>
         </p:nvSpPr>
         <p:spPr>
           <a:xfrm>
-            <a:off x="10489809" y="3361298"/>
-            <a:ext cx="6543798" cy="2527935"/>
+            <a:off x="10489809" y="3294623"/>
+            <a:ext cx="6543798" cy="2594610"/>
           </a:xfrm>
           <a:prstGeom prst="rect">
             <a:avLst/>
@@ -7757,12 +7743,12 @@
             </a:endParaRPr>
           </a:p>
           <a:p>
-            <a:pPr marL="777240" lvl="1" indent="-388620" algn="l">
+            <a:pPr marL="822960" lvl="2" indent="-274320" algn="l">
               <a:lnSpc>
                 <a:spcPts val="5040"/>
               </a:lnSpc>
               <a:buFont typeface="Arial" panose="020B0604020202020204"/>
-              <a:buChar char="•"/>
+              <a:buChar char="⚬"/>
             </a:pPr>
             <a:r>
               <a:rPr lang="en-US" sz="3600" b="1">
@@ -7787,12 +7773,12 @@
             </a:endParaRPr>
           </a:p>
           <a:p>
-            <a:pPr marL="777240" lvl="1" indent="-388620" algn="l">
+            <a:pPr marL="822960" lvl="2" indent="-274320" algn="l">
               <a:lnSpc>
                 <a:spcPts val="5040"/>
               </a:lnSpc>
               <a:buFont typeface="Arial" panose="020B0604020202020204"/>
-              <a:buChar char="•"/>
+              <a:buChar char="⚬"/>
             </a:pPr>
             <a:r>
               <a:rPr lang="en-US" sz="3600" b="1">
@@ -7817,12 +7803,12 @@
             </a:endParaRPr>
           </a:p>
           <a:p>
-            <a:pPr marL="777240" lvl="1" indent="-388620" algn="l">
+            <a:pPr marL="822960" lvl="2" indent="-274320" algn="l">
               <a:lnSpc>
                 <a:spcPts val="5040"/>
               </a:lnSpc>
               <a:buFont typeface="Arial" panose="020B0604020202020204"/>
-              <a:buChar char="•"/>
+              <a:buChar char="⚬"/>
             </a:pPr>
             <a:r>
               <a:rPr lang="en-US" sz="3600" b="1">
@@ -7850,14 +7836,14 @@
       </p:sp>
       <p:sp>
         <p:nvSpPr>
-          <p:cNvPr id="9" name="TextBox 9"/>
+          <p:cNvPr id="10" name="TextBox 10"/>
           <p:cNvSpPr txBox="1"/>
           <p:nvPr/>
         </p:nvSpPr>
         <p:spPr>
           <a:xfrm>
-            <a:off x="3093763" y="7201143"/>
-            <a:ext cx="2400300" cy="405765"/>
+            <a:off x="3093763" y="7153518"/>
+            <a:ext cx="2400300" cy="453390"/>
           </a:xfrm>
           <a:prstGeom prst="rect">
             <a:avLst/>
@@ -7954,13 +7940,13 @@
                   <a:pt x="0" y="0"/>
                 </a:moveTo>
                 <a:lnTo>
-                  <a:pt x="19258070" y="0"/>
-                </a:lnTo>
-                <a:lnTo>
-                  <a:pt x="19258070" y="19258070"/>
-                </a:lnTo>
-                <a:lnTo>
-                  <a:pt x="0" y="19258070"/>
+                  <a:pt x="19258069" y="0"/>
+                </a:lnTo>
+                <a:lnTo>
+                  <a:pt x="19258069" y="19258069"/>
+                </a:lnTo>
+                <a:lnTo>
+                  <a:pt x="0" y="19258069"/>
                 </a:lnTo>
                 <a:lnTo>
                   <a:pt x="0" y="0"/>
@@ -7992,8 +7978,8 @@
         </p:nvSpPr>
         <p:spPr>
           <a:xfrm>
-            <a:off x="1028700" y="733425"/>
-            <a:ext cx="7072639" cy="1209675"/>
+            <a:off x="1028700" y="438150"/>
+            <a:ext cx="7072639" cy="1504950"/>
           </a:xfrm>
           <a:prstGeom prst="rect">
             <a:avLst/>
@@ -8042,8 +8028,8 @@
         </p:nvSpPr>
         <p:spPr>
           <a:xfrm>
-            <a:off x="1633452" y="1857375"/>
-            <a:ext cx="6633697" cy="1377949"/>
+            <a:off x="1633452" y="1695450"/>
+            <a:ext cx="6633697" cy="1539874"/>
           </a:xfrm>
           <a:prstGeom prst="rect">
             <a:avLst/>
@@ -8095,7 +8081,7 @@
             <a:off x="1633452" y="4195233"/>
             <a:ext cx="4546658" cy="4748424"/>
             <a:chOff x="0" y="0"/>
-            <a:chExt cx="6267450" cy="6545580"/>
+            <a:chExt cx="6062211" cy="6331232"/>
           </a:xfrm>
         </p:grpSpPr>
         <p:sp>
@@ -8107,7 +8093,7 @@
           <p:spPr>
             <a:xfrm>
               <a:off x="0" y="0"/>
-              <a:ext cx="6267450" cy="6545580"/>
+              <a:ext cx="6062218" cy="6331204"/>
             </a:xfrm>
             <a:custGeom>
               <a:avLst/>
@@ -8116,18 +8102,18 @@
               <a:cxnLst/>
               <a:rect l="l" t="t" r="r" b="b"/>
               <a:pathLst>
-                <a:path w="6267450" h="6545580">
+                <a:path w="6062218" h="6331204">
                   <a:moveTo>
                     <a:pt x="0" y="0"/>
                   </a:moveTo>
                   <a:lnTo>
-                    <a:pt x="6267450" y="0"/>
+                    <a:pt x="6062218" y="0"/>
                   </a:lnTo>
                   <a:lnTo>
-                    <a:pt x="6267450" y="6545580"/>
+                    <a:pt x="6062218" y="6331204"/>
                   </a:lnTo>
                   <a:lnTo>
-                    <a:pt x="0" y="6545580"/>
+                    <a:pt x="0" y="6331204"/>
                   </a:lnTo>
                   <a:lnTo>
                     <a:pt x="0" y="0"/>
@@ -8139,61 +8125,76 @@
             <a:blipFill>
               <a:blip r:embed="rId3"/>
               <a:stretch>
-                <a:fillRect l="-3139" r="-3139"/>
+                <a:fillRect l="-3147" r="-3147"/>
               </a:stretch>
             </a:blipFill>
           </p:spPr>
         </p:sp>
       </p:grpSp>
-      <p:sp>
-        <p:nvSpPr>
-          <p:cNvPr id="7" name="Freeform 7" descr="dataset"/>
-          <p:cNvSpPr/>
-          <p:nvPr/>
-        </p:nvSpPr>
-        <p:spPr>
-          <a:xfrm>
+      <p:grpSp>
+        <p:nvGrpSpPr>
+          <p:cNvPr id="7" name="Group 7"/>
+          <p:cNvGrpSpPr/>
+          <p:nvPr/>
+        </p:nvGrpSpPr>
+        <p:grpSpPr>
+          <a:xfrm rot="0">
             <a:off x="8957388" y="4343119"/>
             <a:ext cx="8301912" cy="4915181"/>
-          </a:xfrm>
-          <a:custGeom>
-            <a:avLst/>
-            <a:gdLst/>
-            <a:ahLst/>
-            <a:cxnLst/>
-            <a:rect l="l" t="t" r="r" b="b"/>
-            <a:pathLst>
-              <a:path w="8301912" h="4915181">
-                <a:moveTo>
-                  <a:pt x="0" y="0"/>
-                </a:moveTo>
-                <a:lnTo>
-                  <a:pt x="8301912" y="0"/>
-                </a:lnTo>
-                <a:lnTo>
-                  <a:pt x="8301912" y="4915181"/>
-                </a:lnTo>
-                <a:lnTo>
-                  <a:pt x="0" y="4915181"/>
-                </a:lnTo>
-                <a:lnTo>
-                  <a:pt x="0" y="0"/>
-                </a:lnTo>
-                <a:close/>
-              </a:path>
-            </a:pathLst>
-          </a:custGeom>
-          <a:blipFill>
-            <a:blip r:embed="rId4"/>
-            <a:stretch>
-              <a:fillRect t="-5" b="-5"/>
-            </a:stretch>
-          </a:blipFill>
-        </p:spPr>
-      </p:sp>
-      <p:sp>
-        <p:nvSpPr>
-          <p:cNvPr id="8" name="TextBox 8"/>
+            <a:chOff x="0" y="0"/>
+            <a:chExt cx="11069216" cy="6553575"/>
+          </a:xfrm>
+        </p:grpSpPr>
+        <p:sp>
+          <p:nvSpPr>
+            <p:cNvPr id="8" name="Freeform 8" descr="dataset"/>
+            <p:cNvSpPr/>
+            <p:nvPr/>
+          </p:nvSpPr>
+          <p:spPr>
+            <a:xfrm>
+              <a:off x="0" y="0"/>
+              <a:ext cx="11069193" cy="6553581"/>
+            </a:xfrm>
+            <a:custGeom>
+              <a:avLst/>
+              <a:gdLst/>
+              <a:ahLst/>
+              <a:cxnLst/>
+              <a:rect l="l" t="t" r="r" b="b"/>
+              <a:pathLst>
+                <a:path w="11069193" h="6553581">
+                  <a:moveTo>
+                    <a:pt x="0" y="0"/>
+                  </a:moveTo>
+                  <a:lnTo>
+                    <a:pt x="11069193" y="0"/>
+                  </a:lnTo>
+                  <a:lnTo>
+                    <a:pt x="11069193" y="6553581"/>
+                  </a:lnTo>
+                  <a:lnTo>
+                    <a:pt x="0" y="6553581"/>
+                  </a:lnTo>
+                  <a:lnTo>
+                    <a:pt x="0" y="0"/>
+                  </a:lnTo>
+                  <a:close/>
+                </a:path>
+              </a:pathLst>
+            </a:custGeom>
+            <a:blipFill>
+              <a:blip r:embed="rId4"/>
+              <a:stretch>
+                <a:fillRect t="-15" b="-15"/>
+              </a:stretch>
+            </a:blipFill>
+          </p:spPr>
+        </p:sp>
+      </p:grpSp>
+      <p:sp>
+        <p:nvSpPr>
+          <p:cNvPr id="9" name="TextBox 9"/>
           <p:cNvSpPr txBox="1"/>
           <p:nvPr/>
         </p:nvSpPr>
@@ -8227,19 +8228,7 @@
                 <a:cs typeface="DM Sans"/>
                 <a:sym typeface="DM Sans"/>
               </a:rPr>
-              <a:t>    </a:t>
-            </a:r>
-            <a:r>
-              <a:rPr lang="en-US" sz="2600">
-                <a:solidFill>
-                  <a:srgbClr val="000000"/>
-                </a:solidFill>
-                <a:latin typeface="DM Sans"/>
-                <a:ea typeface="DM Sans"/>
-                <a:cs typeface="DM Sans"/>
-                <a:sym typeface="DM Sans"/>
-              </a:rPr>
-              <a:t>In our research, we choose a subset of datasets which are suitable for </a:t>
+              <a:t>    In our research, we choose a subset of datasets which are suitable for </a:t>
             </a:r>
             <a:r>
               <a:rPr lang="en-US" sz="2600" b="1">
@@ -8276,12 +8265,12 @@
             </a:endParaRPr>
           </a:p>
           <a:p>
-            <a:pPr marL="561340" lvl="1" indent="-280670" algn="l">
+            <a:pPr marL="594360" lvl="2" indent="-198120" algn="l">
               <a:lnSpc>
                 <a:spcPts val="3120"/>
               </a:lnSpc>
               <a:buFont typeface="Arial" panose="020B0604020202020204"/>
-              <a:buChar char="•"/>
+              <a:buChar char="⚬"/>
             </a:pPr>
             <a:r>
               <a:rPr lang="en-US" sz="2600" b="1">
@@ -8318,12 +8307,12 @@
             </a:endParaRPr>
           </a:p>
           <a:p>
-            <a:pPr marL="561340" lvl="1" indent="-280670" algn="l">
+            <a:pPr marL="594360" lvl="2" indent="-198120" algn="l">
               <a:lnSpc>
                 <a:spcPts val="3120"/>
               </a:lnSpc>
               <a:buFont typeface="Arial" panose="020B0604020202020204"/>
-              <a:buChar char="•"/>
+              <a:buChar char="⚬"/>
             </a:pPr>
             <a:r>
               <a:rPr lang="en-US" sz="2600" b="1">
@@ -8360,12 +8349,12 @@
             </a:endParaRPr>
           </a:p>
           <a:p>
-            <a:pPr marL="561340" lvl="1" indent="-280670" algn="l">
+            <a:pPr marL="594360" lvl="2" indent="-198120" algn="l">
               <a:lnSpc>
                 <a:spcPts val="3120"/>
               </a:lnSpc>
               <a:buFont typeface="Arial" panose="020B0604020202020204"/>
-              <a:buChar char="•"/>
+              <a:buChar char="⚬"/>
             </a:pPr>
             <a:r>
               <a:rPr lang="en-US" sz="2600" b="1">
@@ -8402,12 +8391,12 @@
             </a:endParaRPr>
           </a:p>
           <a:p>
-            <a:pPr marL="561340" lvl="1" indent="-280670" algn="l">
+            <a:pPr marL="594360" lvl="2" indent="-198120" algn="l">
               <a:lnSpc>
                 <a:spcPts val="3120"/>
               </a:lnSpc>
               <a:buFont typeface="Arial" panose="020B0604020202020204"/>
-              <a:buChar char="•"/>
+              <a:buChar char="⚬"/>
             </a:pPr>
             <a:r>
               <a:rPr lang="en-US" sz="2600" b="1">
@@ -8444,12 +8433,12 @@
             </a:endParaRPr>
           </a:p>
           <a:p>
-            <a:pPr marL="561340" lvl="1" indent="-280670" algn="l">
+            <a:pPr marL="594360" lvl="2" indent="-198120" algn="l">
               <a:lnSpc>
                 <a:spcPts val="3120"/>
               </a:lnSpc>
               <a:buFont typeface="Arial" panose="020B0604020202020204"/>
-              <a:buChar char="•"/>
+              <a:buChar char="⚬"/>
             </a:pPr>
             <a:r>
               <a:rPr lang="en-US" sz="2600" b="1">
@@ -8486,12 +8475,12 @@
             </a:endParaRPr>
           </a:p>
           <a:p>
-            <a:pPr marL="561340" lvl="1" indent="-280670" algn="l">
+            <a:pPr marL="594360" lvl="2" indent="-198120" algn="l">
               <a:lnSpc>
                 <a:spcPts val="3120"/>
               </a:lnSpc>
               <a:buFont typeface="Arial" panose="020B0604020202020204"/>
-              <a:buChar char="•"/>
+              <a:buChar char="⚬"/>
             </a:pPr>
             <a:r>
               <a:rPr lang="en-US" sz="2600" b="1">
@@ -8585,13 +8574,13 @@
                   <a:pt x="0" y="0"/>
                 </a:moveTo>
                 <a:lnTo>
-                  <a:pt x="19258070" y="0"/>
-                </a:lnTo>
-                <a:lnTo>
-                  <a:pt x="19258070" y="19258070"/>
-                </a:lnTo>
-                <a:lnTo>
-                  <a:pt x="0" y="19258070"/>
+                  <a:pt x="19258069" y="0"/>
+                </a:lnTo>
+                <a:lnTo>
+                  <a:pt x="19258069" y="19258069"/>
+                </a:lnTo>
+                <a:lnTo>
+                  <a:pt x="0" y="19258069"/>
                 </a:lnTo>
                 <a:lnTo>
                   <a:pt x="0" y="0"/>
@@ -8662,7 +8651,7 @@
               </a:extLst>
             </a:blip>
             <a:stretch>
-              <a:fillRect/>
+              <a:fillRect t="-675" b="-675"/>
             </a:stretch>
           </a:blipFill>
         </p:spPr>
@@ -8675,8 +8664,8 @@
         </p:nvSpPr>
         <p:spPr>
           <a:xfrm>
-            <a:off x="1028700" y="733425"/>
-            <a:ext cx="7072639" cy="1209675"/>
+            <a:off x="1028700" y="438150"/>
+            <a:ext cx="7072639" cy="1504950"/>
           </a:xfrm>
           <a:prstGeom prst="rect">
             <a:avLst/>
@@ -9084,7 +9073,7 @@
               </a:extLst>
             </a:blip>
             <a:stretch>
-              <a:fillRect/>
+              <a:fillRect t="-136" b="-136"/>
             </a:stretch>
           </a:blipFill>
         </p:spPr>
@@ -9136,7 +9125,7 @@
               </a:extLst>
             </a:blip>
             <a:stretch>
-              <a:fillRect/>
+              <a:fillRect t="-137" b="-137"/>
             </a:stretch>
           </a:blipFill>
         </p:spPr>
@@ -9152,7 +9141,7 @@
             <a:off x="15004181" y="2666785"/>
             <a:ext cx="229651" cy="229651"/>
             <a:chOff x="0" y="0"/>
-            <a:chExt cx="6350000" cy="6350000"/>
+            <a:chExt cx="306201" cy="306201"/>
           </a:xfrm>
         </p:grpSpPr>
         <p:sp>
@@ -9164,7 +9153,7 @@
           <p:spPr>
             <a:xfrm>
               <a:off x="0" y="0"/>
-              <a:ext cx="6350000" cy="6350000"/>
+              <a:ext cx="306324" cy="306197"/>
             </a:xfrm>
             <a:custGeom>
               <a:avLst/>
@@ -9173,29 +9162,29 @@
               <a:cxnLst/>
               <a:rect l="l" t="t" r="r" b="b"/>
               <a:pathLst>
-                <a:path w="6350000" h="6350000">
+                <a:path w="306324" h="306197">
                   <a:moveTo>
-                    <a:pt x="3175000" y="0"/>
+                    <a:pt x="153162" y="0"/>
                   </a:moveTo>
                   <a:cubicBezTo>
-                    <a:pt x="1421496" y="0"/>
-                    <a:pt x="0" y="1421496"/>
-                    <a:pt x="0" y="3175000"/>
+                    <a:pt x="68580" y="0"/>
+                    <a:pt x="0" y="68580"/>
+                    <a:pt x="0" y="153162"/>
                   </a:cubicBezTo>
                   <a:cubicBezTo>
-                    <a:pt x="0" y="4928504"/>
-                    <a:pt x="1421496" y="6350000"/>
-                    <a:pt x="3175000" y="6350000"/>
+                    <a:pt x="0" y="237744"/>
+                    <a:pt x="68580" y="306197"/>
+                    <a:pt x="153162" y="306197"/>
                   </a:cubicBezTo>
                   <a:cubicBezTo>
-                    <a:pt x="4928504" y="6350000"/>
-                    <a:pt x="6350000" y="4928504"/>
-                    <a:pt x="6350000" y="3175000"/>
+                    <a:pt x="237744" y="306197"/>
+                    <a:pt x="306324" y="237617"/>
+                    <a:pt x="306324" y="153035"/>
                   </a:cubicBezTo>
                   <a:cubicBezTo>
-                    <a:pt x="6350000" y="1421496"/>
-                    <a:pt x="4928504" y="0"/>
-                    <a:pt x="3175000" y="0"/>
+                    <a:pt x="306324" y="68453"/>
+                    <a:pt x="237617" y="0"/>
+                    <a:pt x="153162" y="0"/>
                   </a:cubicBezTo>
                   <a:close/>
                 </a:path>
@@ -9254,7 +9243,7 @@
               </a:extLst>
             </a:blip>
             <a:stretch>
-              <a:fillRect/>
+              <a:fillRect l="-1527" r="-1527"/>
             </a:stretch>
           </a:blipFill>
         </p:spPr>
@@ -9285,10 +9274,10 @@
                   <a:pt x="433712" y="0"/>
                 </a:lnTo>
                 <a:lnTo>
-                  <a:pt x="433712" y="411631"/>
-                </a:lnTo>
-                <a:lnTo>
-                  <a:pt x="0" y="411631"/>
+                  <a:pt x="433712" y="411632"/>
+                </a:lnTo>
+                <a:lnTo>
+                  <a:pt x="0" y="411632"/>
                 </a:lnTo>
                 <a:lnTo>
                   <a:pt x="0" y="0"/>
@@ -9306,7 +9295,7 @@
               </a:extLst>
             </a:blip>
             <a:stretch>
-              <a:fillRect/>
+              <a:fillRect t="-391" b="-391"/>
             </a:stretch>
           </a:blipFill>
         </p:spPr>
@@ -9358,7 +9347,7 @@
               </a:extLst>
             </a:blip>
             <a:stretch>
-              <a:fillRect/>
+              <a:fillRect t="-185" b="-185"/>
             </a:stretch>
           </a:blipFill>
         </p:spPr>
@@ -9366,17 +9355,15 @@
       <p:grpSp>
         <p:nvGrpSpPr>
           <p:cNvPr id="16" name="Group 16"/>
-          <p:cNvGrpSpPr>
-            <a:grpSpLocks noChangeAspect="1"/>
-          </p:cNvGrpSpPr>
+          <p:cNvGrpSpPr/>
           <p:nvPr/>
         </p:nvGrpSpPr>
         <p:grpSpPr>
           <a:xfrm rot="-2949008">
-            <a:off x="15453093" y="4517924"/>
-            <a:ext cx="498419" cy="262574"/>
+            <a:off x="15446915" y="4516076"/>
+            <a:ext cx="518466" cy="272401"/>
             <a:chOff x="0" y="0"/>
-            <a:chExt cx="1610360" cy="848360"/>
+            <a:chExt cx="691288" cy="363201"/>
           </a:xfrm>
         </p:grpSpPr>
         <p:sp>
@@ -9387,8 +9374,8 @@
           </p:nvSpPr>
           <p:spPr>
             <a:xfrm>
-              <a:off x="-31750" y="0"/>
-              <a:ext cx="1675130" cy="880110"/>
+              <a:off x="0" y="0"/>
+              <a:ext cx="691261" cy="363220"/>
             </a:xfrm>
             <a:custGeom>
               <a:avLst/>
@@ -9397,54 +9384,54 @@
               <a:cxnLst/>
               <a:rect l="l" t="t" r="r" b="b"/>
               <a:pathLst>
-                <a:path w="1675130" h="880110">
+                <a:path w="691261" h="363220">
                   <a:moveTo>
-                    <a:pt x="266700" y="848360"/>
+                    <a:pt x="110109" y="350139"/>
                   </a:moveTo>
                   <a:cubicBezTo>
-                    <a:pt x="236220" y="848360"/>
-                    <a:pt x="205740" y="842010"/>
-                    <a:pt x="175260" y="829310"/>
+                    <a:pt x="97536" y="350139"/>
+                    <a:pt x="84963" y="347472"/>
+                    <a:pt x="72390" y="342265"/>
                   </a:cubicBezTo>
                   <a:cubicBezTo>
-                    <a:pt x="55880" y="778510"/>
-                    <a:pt x="0" y="641350"/>
-                    <a:pt x="50800" y="521970"/>
+                    <a:pt x="23114" y="321310"/>
+                    <a:pt x="0" y="264668"/>
+                    <a:pt x="20955" y="215392"/>
                   </a:cubicBezTo>
                   <a:cubicBezTo>
-                    <a:pt x="184150" y="204470"/>
-                    <a:pt x="492760" y="0"/>
-                    <a:pt x="836930" y="0"/>
+                    <a:pt x="75946" y="84328"/>
+                    <a:pt x="203327" y="0"/>
+                    <a:pt x="345440" y="0"/>
                   </a:cubicBezTo>
                   <a:cubicBezTo>
-                    <a:pt x="1181100" y="0"/>
-                    <a:pt x="1489710" y="204470"/>
-                    <a:pt x="1624330" y="521970"/>
+                    <a:pt x="487553" y="0"/>
+                    <a:pt x="614807" y="84328"/>
+                    <a:pt x="670306" y="215392"/>
                   </a:cubicBezTo>
                   <a:cubicBezTo>
-                    <a:pt x="1675130" y="641350"/>
-                    <a:pt x="1619250" y="779780"/>
-                    <a:pt x="1499870" y="829310"/>
+                    <a:pt x="691261" y="264668"/>
+                    <a:pt x="668147" y="321818"/>
+                    <a:pt x="618998" y="342265"/>
                   </a:cubicBezTo>
                   <a:cubicBezTo>
-                    <a:pt x="1380490" y="880110"/>
-                    <a:pt x="1242060" y="824230"/>
-                    <a:pt x="1192530" y="704850"/>
+                    <a:pt x="569722" y="363220"/>
+                    <a:pt x="512572" y="340106"/>
+                    <a:pt x="492125" y="290957"/>
                   </a:cubicBezTo>
                   <a:cubicBezTo>
-                    <a:pt x="1131570" y="562610"/>
-                    <a:pt x="991870" y="469900"/>
-                    <a:pt x="836930" y="469900"/>
+                    <a:pt x="466979" y="232283"/>
+                    <a:pt x="409321" y="194056"/>
+                    <a:pt x="345440" y="194056"/>
                   </a:cubicBezTo>
                   <a:cubicBezTo>
-                    <a:pt x="681990" y="469900"/>
-                    <a:pt x="543560" y="562610"/>
-                    <a:pt x="482600" y="704850"/>
+                    <a:pt x="281559" y="194056"/>
+                    <a:pt x="224409" y="232283"/>
+                    <a:pt x="199263" y="290957"/>
                   </a:cubicBezTo>
                   <a:cubicBezTo>
-                    <a:pt x="445770" y="793750"/>
-                    <a:pt x="358140" y="848360"/>
-                    <a:pt x="266700" y="848360"/>
+                    <a:pt x="184023" y="327660"/>
+                    <a:pt x="147955" y="350139"/>
+                    <a:pt x="110109" y="350139"/>
                   </a:cubicBezTo>
                   <a:close/>
                 </a:path>
@@ -9459,17 +9446,15 @@
       <p:grpSp>
         <p:nvGrpSpPr>
           <p:cNvPr id="18" name="Group 18"/>
-          <p:cNvGrpSpPr>
-            <a:grpSpLocks noChangeAspect="1"/>
-          </p:cNvGrpSpPr>
+          <p:cNvGrpSpPr/>
           <p:nvPr/>
         </p:nvGrpSpPr>
         <p:grpSpPr>
           <a:xfrm rot="-2949008">
-            <a:off x="13669574" y="9446041"/>
-            <a:ext cx="498419" cy="262574"/>
+            <a:off x="13663396" y="9444193"/>
+            <a:ext cx="518466" cy="272401"/>
             <a:chOff x="0" y="0"/>
-            <a:chExt cx="1610360" cy="848360"/>
+            <a:chExt cx="691288" cy="363201"/>
           </a:xfrm>
         </p:grpSpPr>
         <p:sp>
@@ -9480,8 +9465,8 @@
           </p:nvSpPr>
           <p:spPr>
             <a:xfrm>
-              <a:off x="-31750" y="0"/>
-              <a:ext cx="1675130" cy="880110"/>
+              <a:off x="0" y="0"/>
+              <a:ext cx="691261" cy="363220"/>
             </a:xfrm>
             <a:custGeom>
               <a:avLst/>
@@ -9490,54 +9475,54 @@
               <a:cxnLst/>
               <a:rect l="l" t="t" r="r" b="b"/>
               <a:pathLst>
-                <a:path w="1675130" h="880110">
+                <a:path w="691261" h="363220">
                   <a:moveTo>
-                    <a:pt x="266700" y="848360"/>
+                    <a:pt x="110109" y="350139"/>
                   </a:moveTo>
                   <a:cubicBezTo>
-                    <a:pt x="236220" y="848360"/>
-                    <a:pt x="205740" y="842010"/>
-                    <a:pt x="175260" y="829310"/>
+                    <a:pt x="97536" y="350139"/>
+                    <a:pt x="84963" y="347472"/>
+                    <a:pt x="72390" y="342265"/>
                   </a:cubicBezTo>
                   <a:cubicBezTo>
-                    <a:pt x="55880" y="778510"/>
-                    <a:pt x="0" y="641350"/>
-                    <a:pt x="50800" y="521970"/>
+                    <a:pt x="23114" y="321310"/>
+                    <a:pt x="0" y="264668"/>
+                    <a:pt x="20955" y="215392"/>
                   </a:cubicBezTo>
                   <a:cubicBezTo>
-                    <a:pt x="184150" y="204470"/>
-                    <a:pt x="492760" y="0"/>
-                    <a:pt x="836930" y="0"/>
+                    <a:pt x="75946" y="84328"/>
+                    <a:pt x="203327" y="0"/>
+                    <a:pt x="345440" y="0"/>
                   </a:cubicBezTo>
                   <a:cubicBezTo>
-                    <a:pt x="1181100" y="0"/>
-                    <a:pt x="1489710" y="204470"/>
-                    <a:pt x="1624330" y="521970"/>
+                    <a:pt x="487553" y="0"/>
+                    <a:pt x="614807" y="84328"/>
+                    <a:pt x="670306" y="215392"/>
                   </a:cubicBezTo>
                   <a:cubicBezTo>
-                    <a:pt x="1675130" y="641350"/>
-                    <a:pt x="1619250" y="779780"/>
-                    <a:pt x="1499870" y="829310"/>
+                    <a:pt x="691261" y="264668"/>
+                    <a:pt x="668147" y="321818"/>
+                    <a:pt x="618998" y="342265"/>
                   </a:cubicBezTo>
                   <a:cubicBezTo>
-                    <a:pt x="1380490" y="880110"/>
-                    <a:pt x="1242060" y="824230"/>
-                    <a:pt x="1192530" y="704850"/>
+                    <a:pt x="569722" y="363220"/>
+                    <a:pt x="512572" y="340106"/>
+                    <a:pt x="492125" y="290957"/>
                   </a:cubicBezTo>
                   <a:cubicBezTo>
-                    <a:pt x="1131570" y="562610"/>
-                    <a:pt x="991870" y="469900"/>
-                    <a:pt x="836930" y="469900"/>
+                    <a:pt x="466979" y="232283"/>
+                    <a:pt x="409321" y="194056"/>
+                    <a:pt x="345440" y="194056"/>
                   </a:cubicBezTo>
                   <a:cubicBezTo>
-                    <a:pt x="681990" y="469900"/>
-                    <a:pt x="543560" y="562610"/>
-                    <a:pt x="482600" y="704850"/>
+                    <a:pt x="281559" y="194056"/>
+                    <a:pt x="224409" y="232283"/>
+                    <a:pt x="199263" y="290957"/>
                   </a:cubicBezTo>
                   <a:cubicBezTo>
-                    <a:pt x="445770" y="793750"/>
-                    <a:pt x="358140" y="848360"/>
-                    <a:pt x="266700" y="848360"/>
+                    <a:pt x="184023" y="327660"/>
+                    <a:pt x="147955" y="350139"/>
+                    <a:pt x="110109" y="350139"/>
                   </a:cubicBezTo>
                   <a:close/>
                 </a:path>
@@ -9560,7 +9545,7 @@
             <a:off x="15738452" y="6288751"/>
             <a:ext cx="229651" cy="229651"/>
             <a:chOff x="0" y="0"/>
-            <a:chExt cx="6350000" cy="6350000"/>
+            <a:chExt cx="306201" cy="306201"/>
           </a:xfrm>
         </p:grpSpPr>
         <p:sp>
@@ -9572,7 +9557,7 @@
           <p:spPr>
             <a:xfrm>
               <a:off x="0" y="0"/>
-              <a:ext cx="6350000" cy="6350000"/>
+              <a:ext cx="306324" cy="306197"/>
             </a:xfrm>
             <a:custGeom>
               <a:avLst/>
@@ -9581,29 +9566,29 @@
               <a:cxnLst/>
               <a:rect l="l" t="t" r="r" b="b"/>
               <a:pathLst>
-                <a:path w="6350000" h="6350000">
+                <a:path w="306324" h="306197">
                   <a:moveTo>
-                    <a:pt x="3175000" y="0"/>
+                    <a:pt x="153162" y="0"/>
                   </a:moveTo>
                   <a:cubicBezTo>
-                    <a:pt x="1421496" y="0"/>
-                    <a:pt x="0" y="1421496"/>
-                    <a:pt x="0" y="3175000"/>
+                    <a:pt x="68580" y="0"/>
+                    <a:pt x="0" y="68580"/>
+                    <a:pt x="0" y="153162"/>
                   </a:cubicBezTo>
                   <a:cubicBezTo>
-                    <a:pt x="0" y="4928504"/>
-                    <a:pt x="1421496" y="6350000"/>
-                    <a:pt x="3175000" y="6350000"/>
+                    <a:pt x="0" y="237744"/>
+                    <a:pt x="68580" y="306197"/>
+                    <a:pt x="153162" y="306197"/>
                   </a:cubicBezTo>
                   <a:cubicBezTo>
-                    <a:pt x="4928504" y="6350000"/>
-                    <a:pt x="6350000" y="4928504"/>
-                    <a:pt x="6350000" y="3175000"/>
+                    <a:pt x="237744" y="306197"/>
+                    <a:pt x="306324" y="237617"/>
+                    <a:pt x="306324" y="153035"/>
                   </a:cubicBezTo>
                   <a:cubicBezTo>
-                    <a:pt x="6350000" y="1421496"/>
-                    <a:pt x="4928504" y="0"/>
-                    <a:pt x="3175000" y="0"/>
+                    <a:pt x="306324" y="68453"/>
+                    <a:pt x="237617" y="0"/>
+                    <a:pt x="153162" y="0"/>
                   </a:cubicBezTo>
                   <a:close/>
                 </a:path>
@@ -9671,13 +9656,13 @@
                   <a:pt x="0" y="0"/>
                 </a:moveTo>
                 <a:lnTo>
-                  <a:pt x="19258070" y="0"/>
-                </a:lnTo>
-                <a:lnTo>
-                  <a:pt x="19258070" y="19258070"/>
-                </a:lnTo>
-                <a:lnTo>
-                  <a:pt x="0" y="19258070"/>
+                  <a:pt x="19258069" y="0"/>
+                </a:lnTo>
+                <a:lnTo>
+                  <a:pt x="19258069" y="19258069"/>
+                </a:lnTo>
+                <a:lnTo>
+                  <a:pt x="0" y="19258069"/>
                 </a:lnTo>
                 <a:lnTo>
                   <a:pt x="0" y="0"/>
@@ -9709,8 +9694,8 @@
         </p:nvSpPr>
         <p:spPr>
           <a:xfrm>
-            <a:off x="1028700" y="542925"/>
-            <a:ext cx="8570124" cy="5765164"/>
+            <a:off x="1028700" y="57150"/>
+            <a:ext cx="8570124" cy="6250939"/>
           </a:xfrm>
           <a:prstGeom prst="rect">
             <a:avLst/>
@@ -9767,60 +9752,14 @@
       </p:sp>
       <p:sp>
         <p:nvSpPr>
-          <p:cNvPr id="4" name="Freeform 4" descr="pipeline.drawio"/>
-          <p:cNvSpPr/>
+          <p:cNvPr id="6" name="TextBox 6"/>
+          <p:cNvSpPr txBox="1"/>
           <p:nvPr/>
         </p:nvSpPr>
         <p:spPr>
           <a:xfrm>
-            <a:off x="4772404" y="2273837"/>
-            <a:ext cx="9652839" cy="6984463"/>
-          </a:xfrm>
-          <a:custGeom>
-            <a:avLst/>
-            <a:gdLst/>
-            <a:ahLst/>
-            <a:cxnLst/>
-            <a:rect l="l" t="t" r="r" b="b"/>
-            <a:pathLst>
-              <a:path w="9652839" h="6984463">
-                <a:moveTo>
-                  <a:pt x="0" y="0"/>
-                </a:moveTo>
-                <a:lnTo>
-                  <a:pt x="9652840" y="0"/>
-                </a:lnTo>
-                <a:lnTo>
-                  <a:pt x="9652840" y="6984463"/>
-                </a:lnTo>
-                <a:lnTo>
-                  <a:pt x="0" y="6984463"/>
-                </a:lnTo>
-                <a:lnTo>
-                  <a:pt x="0" y="0"/>
-                </a:lnTo>
-                <a:close/>
-              </a:path>
-            </a:pathLst>
-          </a:custGeom>
-          <a:blipFill>
-            <a:blip r:embed="rId3"/>
-            <a:stretch>
-              <a:fillRect t="-2" b="-2"/>
-            </a:stretch>
-          </a:blipFill>
-        </p:spPr>
-      </p:sp>
-      <p:sp>
-        <p:nvSpPr>
-          <p:cNvPr id="5" name="TextBox 5"/>
-          <p:cNvSpPr txBox="1"/>
-          <p:nvPr/>
-        </p:nvSpPr>
-        <p:spPr>
-          <a:xfrm>
-            <a:off x="14167897" y="733425"/>
-            <a:ext cx="3091403" cy="1209675"/>
+            <a:off x="14167897" y="438150"/>
+            <a:ext cx="3091403" cy="1504950"/>
           </a:xfrm>
           <a:prstGeom prst="rect">
             <a:avLst/>
@@ -9861,6 +9800,30 @@
           </a:p>
         </p:txBody>
       </p:sp>
+      <p:pic>
+        <p:nvPicPr>
+          <p:cNvPr id="7" name="图片 6"/>
+          <p:cNvPicPr>
+            <a:picLocks noChangeAspect="1"/>
+          </p:cNvPicPr>
+          <p:nvPr/>
+        </p:nvPicPr>
+        <p:blipFill>
+          <a:blip r:embed="rId3"/>
+          <a:stretch>
+            <a:fillRect/>
+          </a:stretch>
+        </p:blipFill>
+        <p:spPr>
+          <a:xfrm>
+            <a:off x="3147695" y="1714500"/>
+            <a:ext cx="11993245" cy="8427085"/>
+          </a:xfrm>
+          <a:prstGeom prst="rect">
+            <a:avLst/>
+          </a:prstGeom>
+        </p:spPr>
+      </p:pic>
     </p:spTree>
   </p:cSld>
   <p:clrMapOvr>
@@ -9917,13 +9880,13 @@
                   <a:pt x="0" y="0"/>
                 </a:moveTo>
                 <a:lnTo>
-                  <a:pt x="19258070" y="0"/>
-                </a:lnTo>
-                <a:lnTo>
-                  <a:pt x="19258070" y="19258070"/>
-                </a:lnTo>
-                <a:lnTo>
-                  <a:pt x="0" y="19258070"/>
+                  <a:pt x="19258069" y="0"/>
+                </a:lnTo>
+                <a:lnTo>
+                  <a:pt x="19258069" y="19258069"/>
+                </a:lnTo>
+                <a:lnTo>
+                  <a:pt x="0" y="19258069"/>
                 </a:lnTo>
                 <a:lnTo>
                   <a:pt x="0" y="0"/>
@@ -9955,8 +9918,8 @@
         </p:nvSpPr>
         <p:spPr>
           <a:xfrm>
-            <a:off x="1028700" y="542925"/>
-            <a:ext cx="8570124" cy="5765164"/>
+            <a:off x="1028700" y="57150"/>
+            <a:ext cx="8570124" cy="6250939"/>
           </a:xfrm>
           <a:prstGeom prst="rect">
             <a:avLst/>
@@ -10011,55 +9974,70 @@
           </a:p>
         </p:txBody>
       </p:sp>
-      <p:sp>
-        <p:nvSpPr>
-          <p:cNvPr id="4" name="Freeform 4" descr="pipeline.drawio"/>
-          <p:cNvSpPr/>
-          <p:nvPr/>
-        </p:nvSpPr>
-        <p:spPr>
-          <a:xfrm>
+      <p:grpSp>
+        <p:nvGrpSpPr>
+          <p:cNvPr id="4" name="Group 4"/>
+          <p:cNvGrpSpPr/>
+          <p:nvPr/>
+        </p:nvGrpSpPr>
+        <p:grpSpPr>
+          <a:xfrm rot="0">
             <a:off x="7590566" y="2313293"/>
             <a:ext cx="9652839" cy="6984463"/>
-          </a:xfrm>
-          <a:custGeom>
-            <a:avLst/>
-            <a:gdLst/>
-            <a:ahLst/>
-            <a:cxnLst/>
-            <a:rect l="l" t="t" r="r" b="b"/>
-            <a:pathLst>
-              <a:path w="9652839" h="6984463">
-                <a:moveTo>
-                  <a:pt x="0" y="0"/>
-                </a:moveTo>
-                <a:lnTo>
-                  <a:pt x="9652840" y="0"/>
-                </a:lnTo>
-                <a:lnTo>
-                  <a:pt x="9652840" y="6984462"/>
-                </a:lnTo>
-                <a:lnTo>
-                  <a:pt x="0" y="6984462"/>
-                </a:lnTo>
-                <a:lnTo>
-                  <a:pt x="0" y="0"/>
-                </a:lnTo>
-                <a:close/>
-              </a:path>
-            </a:pathLst>
-          </a:custGeom>
-          <a:blipFill>
-            <a:blip r:embed="rId3"/>
-            <a:stretch>
-              <a:fillRect t="-2" b="-2"/>
-            </a:stretch>
-          </a:blipFill>
-        </p:spPr>
-      </p:sp>
-      <p:sp>
-        <p:nvSpPr>
-          <p:cNvPr id="5" name="Freeform 5"/>
+            <a:chOff x="0" y="0"/>
+            <a:chExt cx="12870452" cy="9312617"/>
+          </a:xfrm>
+        </p:grpSpPr>
+        <p:sp>
+          <p:nvSpPr>
+            <p:cNvPr id="5" name="Freeform 5" descr="pipeline.drawio"/>
+            <p:cNvSpPr/>
+            <p:nvPr/>
+          </p:nvSpPr>
+          <p:spPr>
+            <a:xfrm>
+              <a:off x="0" y="0"/>
+              <a:ext cx="12870434" cy="9312656"/>
+            </a:xfrm>
+            <a:custGeom>
+              <a:avLst/>
+              <a:gdLst/>
+              <a:ahLst/>
+              <a:cxnLst/>
+              <a:rect l="l" t="t" r="r" b="b"/>
+              <a:pathLst>
+                <a:path w="12870434" h="9312656">
+                  <a:moveTo>
+                    <a:pt x="0" y="0"/>
+                  </a:moveTo>
+                  <a:lnTo>
+                    <a:pt x="12870434" y="0"/>
+                  </a:lnTo>
+                  <a:lnTo>
+                    <a:pt x="12870434" y="9312656"/>
+                  </a:lnTo>
+                  <a:lnTo>
+                    <a:pt x="0" y="9312656"/>
+                  </a:lnTo>
+                  <a:lnTo>
+                    <a:pt x="0" y="0"/>
+                  </a:lnTo>
+                  <a:close/>
+                </a:path>
+              </a:pathLst>
+            </a:custGeom>
+            <a:blipFill>
+              <a:blip r:embed="rId3"/>
+              <a:stretch>
+                <a:fillRect t="-2" b="-2"/>
+              </a:stretch>
+            </a:blipFill>
+          </p:spPr>
+        </p:sp>
+      </p:grpSp>
+      <p:sp>
+        <p:nvSpPr>
+          <p:cNvPr id="6" name="Freeform 6"/>
           <p:cNvSpPr/>
           <p:nvPr/>
         </p:nvSpPr>
@@ -10104,21 +10082,21 @@
               </a:extLst>
             </a:blip>
             <a:stretch>
-              <a:fillRect/>
+              <a:fillRect t="-505" b="-505"/>
             </a:stretch>
           </a:blipFill>
         </p:spPr>
       </p:sp>
       <p:sp>
         <p:nvSpPr>
-          <p:cNvPr id="6" name="TextBox 6"/>
+          <p:cNvPr id="7" name="TextBox 7"/>
           <p:cNvSpPr txBox="1"/>
           <p:nvPr/>
         </p:nvSpPr>
         <p:spPr>
           <a:xfrm>
-            <a:off x="14167897" y="733425"/>
-            <a:ext cx="3091403" cy="1209675"/>
+            <a:off x="14167897" y="438150"/>
+            <a:ext cx="3091403" cy="1504950"/>
           </a:xfrm>
           <a:prstGeom prst="rect">
             <a:avLst/>
@@ -10161,14 +10139,14 @@
       </p:sp>
       <p:sp>
         <p:nvSpPr>
-          <p:cNvPr id="7" name="TextBox 7"/>
+          <p:cNvPr id="8" name="TextBox 8"/>
           <p:cNvSpPr txBox="1"/>
           <p:nvPr/>
         </p:nvSpPr>
         <p:spPr>
           <a:xfrm>
-            <a:off x="1028700" y="2771067"/>
-            <a:ext cx="6158517" cy="1943735"/>
+            <a:off x="1028700" y="2666292"/>
+            <a:ext cx="6158517" cy="2048510"/>
           </a:xfrm>
           <a:prstGeom prst="rect">
             <a:avLst/>
@@ -10211,7 +10189,7 @@
       </p:sp>
       <p:sp>
         <p:nvSpPr>
-          <p:cNvPr id="8" name="TextBox 8"/>
+          <p:cNvPr id="9" name="TextBox 9"/>
           <p:cNvSpPr txBox="1"/>
           <p:nvPr/>
         </p:nvSpPr>
@@ -10258,12 +10236,12 @@
             </a:endParaRPr>
           </a:p>
           <a:p>
-            <a:pPr marL="518160" lvl="1" indent="-259080" algn="l">
+            <a:pPr marL="548640" lvl="2" indent="-182880" algn="l">
               <a:lnSpc>
                 <a:spcPts val="2880"/>
               </a:lnSpc>
               <a:buFont typeface="Arial" panose="020B0604020202020204"/>
-              <a:buChar char="•"/>
+              <a:buChar char="⚬"/>
             </a:pPr>
             <a:r>
               <a:rPr lang="en-US" sz="2400">
@@ -10288,12 +10266,12 @@
             </a:endParaRPr>
           </a:p>
           <a:p>
-            <a:pPr marL="1036320" lvl="2" indent="-345440" algn="l">
+            <a:pPr marL="980440" lvl="3" indent="-245110" algn="l">
               <a:lnSpc>
                 <a:spcPts val="2880"/>
               </a:lnSpc>
               <a:buFont typeface="Arial" panose="020B0604020202020204"/>
-              <a:buChar char="⚬"/>
+              <a:buChar char="￭"/>
             </a:pPr>
             <a:r>
               <a:rPr lang="en-US" sz="2400">
@@ -10318,12 +10296,12 @@
             </a:endParaRPr>
           </a:p>
           <a:p>
-            <a:pPr marL="1036320" lvl="2" indent="-345440" algn="l">
+            <a:pPr marL="980440" lvl="3" indent="-245110" algn="l">
               <a:lnSpc>
                 <a:spcPts val="2880"/>
               </a:lnSpc>
               <a:buFont typeface="Arial" panose="020B0604020202020204"/>
-              <a:buChar char="⚬"/>
+              <a:buChar char="￭"/>
             </a:pPr>
             <a:r>
               <a:rPr lang="en-US" sz="2400">
@@ -10348,12 +10326,12 @@
             </a:endParaRPr>
           </a:p>
           <a:p>
-            <a:pPr marL="1036320" lvl="2" indent="-345440" algn="l">
+            <a:pPr marL="980440" lvl="3" indent="-245110" algn="l">
               <a:lnSpc>
                 <a:spcPts val="2880"/>
               </a:lnSpc>
               <a:buFont typeface="Arial" panose="020B0604020202020204"/>
-              <a:buChar char="⚬"/>
+              <a:buChar char="￭"/>
             </a:pPr>
             <a:r>
               <a:rPr lang="en-US" sz="2400" b="1">
@@ -10378,12 +10356,12 @@
             </a:endParaRPr>
           </a:p>
           <a:p>
-            <a:pPr marL="518160" lvl="1" indent="-259080" algn="l">
+            <a:pPr marL="548640" lvl="2" indent="-182880" algn="l">
               <a:lnSpc>
                 <a:spcPts val="2880"/>
               </a:lnSpc>
               <a:buFont typeface="Arial" panose="020B0604020202020204"/>
-              <a:buChar char="•"/>
+              <a:buChar char="⚬"/>
             </a:pPr>
             <a:r>
               <a:rPr lang="en-US" sz="2400">
@@ -10408,12 +10386,12 @@
             </a:endParaRPr>
           </a:p>
           <a:p>
-            <a:pPr marL="518160" lvl="1" indent="-259080" algn="l">
+            <a:pPr marL="548640" lvl="2" indent="-182880" algn="l">
               <a:lnSpc>
                 <a:spcPts val="2880"/>
               </a:lnSpc>
               <a:buFont typeface="Arial" panose="020B0604020202020204"/>
-              <a:buChar char="•"/>
+              <a:buChar char="⚬"/>
             </a:pPr>
             <a:r>
               <a:rPr lang="en-US" sz="2400">
@@ -10438,12 +10416,12 @@
             </a:endParaRPr>
           </a:p>
           <a:p>
-            <a:pPr marL="1036320" lvl="2" indent="-345440" algn="l">
+            <a:pPr marL="980440" lvl="3" indent="-245110" algn="l">
               <a:lnSpc>
                 <a:spcPts val="2880"/>
               </a:lnSpc>
               <a:buFont typeface="Arial" panose="020B0604020202020204"/>
-              <a:buChar char="⚬"/>
+              <a:buChar char="￭"/>
             </a:pPr>
             <a:r>
               <a:rPr lang="en-US" sz="2400">
@@ -10468,12 +10446,12 @@
             </a:endParaRPr>
           </a:p>
           <a:p>
-            <a:pPr marL="1036320" lvl="2" indent="-345440" algn="l">
+            <a:pPr marL="980440" lvl="3" indent="-245110" algn="l">
               <a:lnSpc>
                 <a:spcPts val="2880"/>
               </a:lnSpc>
               <a:buFont typeface="Arial" panose="020B0604020202020204"/>
-              <a:buChar char="⚬"/>
+              <a:buChar char="￭"/>
             </a:pPr>
             <a:r>
               <a:rPr lang="en-US" sz="2400">
@@ -10498,12 +10476,12 @@
             </a:endParaRPr>
           </a:p>
           <a:p>
-            <a:pPr marL="1036320" lvl="2" indent="-345440" algn="l">
+            <a:pPr marL="980440" lvl="3" indent="-245110" algn="l">
               <a:lnSpc>
                 <a:spcPts val="2880"/>
               </a:lnSpc>
               <a:buFont typeface="Arial" panose="020B0604020202020204"/>
-              <a:buChar char="⚬"/>
+              <a:buChar char="￭"/>
             </a:pPr>
             <a:r>
               <a:rPr lang="en-US" sz="2400">
@@ -10528,12 +10506,12 @@
             </a:endParaRPr>
           </a:p>
           <a:p>
-            <a:pPr marL="1036320" lvl="2" indent="-345440" algn="l">
+            <a:pPr marL="980440" lvl="3" indent="-245110" algn="l">
               <a:lnSpc>
                 <a:spcPts val="2880"/>
               </a:lnSpc>
               <a:buFont typeface="Arial" panose="020B0604020202020204"/>
-              <a:buChar char="⚬"/>
+              <a:buChar char="￭"/>
             </a:pPr>
             <a:r>
               <a:rPr lang="en-US" sz="2400">
@@ -10558,12 +10536,12 @@
             </a:endParaRPr>
           </a:p>
           <a:p>
-            <a:pPr marL="1036320" lvl="2" indent="-345440" algn="l">
+            <a:pPr marL="980440" lvl="3" indent="-245110" algn="l">
               <a:lnSpc>
                 <a:spcPts val="2880"/>
               </a:lnSpc>
               <a:buFont typeface="Arial" panose="020B0604020202020204"/>
-              <a:buChar char="⚬"/>
+              <a:buChar char="￭"/>
             </a:pPr>
             <a:r>
               <a:rPr lang="en-US" sz="2400">
@@ -10645,13 +10623,13 @@
                   <a:pt x="0" y="0"/>
                 </a:moveTo>
                 <a:lnTo>
-                  <a:pt x="19258070" y="0"/>
-                </a:lnTo>
-                <a:lnTo>
-                  <a:pt x="19258070" y="19258070"/>
-                </a:lnTo>
-                <a:lnTo>
-                  <a:pt x="0" y="19258070"/>
+                  <a:pt x="19258069" y="0"/>
+                </a:lnTo>
+                <a:lnTo>
+                  <a:pt x="19258069" y="19258069"/>
+                </a:lnTo>
+                <a:lnTo>
+                  <a:pt x="0" y="19258069"/>
                 </a:lnTo>
                 <a:lnTo>
                   <a:pt x="0" y="0"/>
@@ -10675,16 +10653,77 @@
           </a:blipFill>
         </p:spPr>
       </p:sp>
-      <p:sp>
-        <p:nvSpPr>
-          <p:cNvPr id="3" name="Freeform 3" descr="pipeline.drawio"/>
-          <p:cNvSpPr/>
-          <p:nvPr/>
-        </p:nvSpPr>
-        <p:spPr>
-          <a:xfrm>
+      <p:grpSp>
+        <p:nvGrpSpPr>
+          <p:cNvPr id="3" name="Group 3"/>
+          <p:cNvGrpSpPr/>
+          <p:nvPr/>
+        </p:nvGrpSpPr>
+        <p:grpSpPr>
+          <a:xfrm rot="0">
             <a:off x="1028700" y="2273837"/>
             <a:ext cx="9652839" cy="6984463"/>
+            <a:chOff x="0" y="0"/>
+            <a:chExt cx="12870452" cy="9312617"/>
+          </a:xfrm>
+        </p:grpSpPr>
+        <p:sp>
+          <p:nvSpPr>
+            <p:cNvPr id="4" name="Freeform 4" descr="pipeline.drawio"/>
+            <p:cNvSpPr/>
+            <p:nvPr/>
+          </p:nvSpPr>
+          <p:spPr>
+            <a:xfrm>
+              <a:off x="0" y="0"/>
+              <a:ext cx="12870434" cy="9312656"/>
+            </a:xfrm>
+            <a:custGeom>
+              <a:avLst/>
+              <a:gdLst/>
+              <a:ahLst/>
+              <a:cxnLst/>
+              <a:rect l="l" t="t" r="r" b="b"/>
+              <a:pathLst>
+                <a:path w="12870434" h="9312656">
+                  <a:moveTo>
+                    <a:pt x="0" y="0"/>
+                  </a:moveTo>
+                  <a:lnTo>
+                    <a:pt x="12870434" y="0"/>
+                  </a:lnTo>
+                  <a:lnTo>
+                    <a:pt x="12870434" y="9312656"/>
+                  </a:lnTo>
+                  <a:lnTo>
+                    <a:pt x="0" y="9312656"/>
+                  </a:lnTo>
+                  <a:lnTo>
+                    <a:pt x="0" y="0"/>
+                  </a:lnTo>
+                  <a:close/>
+                </a:path>
+              </a:pathLst>
+            </a:custGeom>
+            <a:blipFill>
+              <a:blip r:embed="rId3"/>
+              <a:stretch>
+                <a:fillRect t="-2" b="-2"/>
+              </a:stretch>
+            </a:blipFill>
+          </p:spPr>
+        </p:sp>
+      </p:grpSp>
+      <p:sp>
+        <p:nvSpPr>
+          <p:cNvPr id="5" name="Freeform 5"/>
+          <p:cNvSpPr/>
+          <p:nvPr/>
+        </p:nvSpPr>
+        <p:spPr>
+          <a:xfrm rot="10371101" flipH="1">
+            <a:off x="7814310" y="8664575"/>
+            <a:ext cx="2755900" cy="843915"/>
           </a:xfrm>
           <a:custGeom>
             <a:avLst/>
@@ -10693,67 +10732,21 @@
             <a:cxnLst/>
             <a:rect l="l" t="t" r="r" b="b"/>
             <a:pathLst>
-              <a:path w="9652839" h="6984463">
+              <a:path w="2755900" h="843915">
                 <a:moveTo>
-                  <a:pt x="0" y="0"/>
+                  <a:pt x="2755900" y="0"/>
                 </a:moveTo>
                 <a:lnTo>
-                  <a:pt x="9652839" y="0"/>
-                </a:lnTo>
-                <a:lnTo>
-                  <a:pt x="9652839" y="6984463"/>
-                </a:lnTo>
-                <a:lnTo>
-                  <a:pt x="0" y="6984463"/>
-                </a:lnTo>
-                <a:lnTo>
-                  <a:pt x="0" y="0"/>
-                </a:lnTo>
-                <a:close/>
-              </a:path>
-            </a:pathLst>
-          </a:custGeom>
-          <a:blipFill>
-            <a:blip r:embed="rId3"/>
-            <a:stretch>
-              <a:fillRect t="-2" b="-2"/>
-            </a:stretch>
-          </a:blipFill>
-        </p:spPr>
-      </p:sp>
-      <p:sp>
-        <p:nvSpPr>
-          <p:cNvPr id="4" name="Freeform 4"/>
-          <p:cNvSpPr/>
-          <p:nvPr/>
-        </p:nvSpPr>
-        <p:spPr>
-          <a:xfrm rot="10371101" flipH="1">
-            <a:off x="7814310" y="8664575"/>
-            <a:ext cx="2755900" cy="843915"/>
-          </a:xfrm>
-          <a:custGeom>
-            <a:avLst/>
-            <a:gdLst/>
-            <a:ahLst/>
-            <a:cxnLst/>
-            <a:rect l="l" t="t" r="r" b="b"/>
-            <a:pathLst>
-              <a:path w="2734022" h="977413">
-                <a:moveTo>
-                  <a:pt x="2734022" y="0"/>
-                </a:moveTo>
-                <a:lnTo>
-                  <a:pt x="0" y="0"/>
-                </a:lnTo>
-                <a:lnTo>
-                  <a:pt x="0" y="977413"/>
-                </a:lnTo>
-                <a:lnTo>
-                  <a:pt x="2734022" y="977413"/>
-                </a:lnTo>
-                <a:lnTo>
-                  <a:pt x="2734022" y="0"/>
+                  <a:pt x="0" y="0"/>
+                </a:lnTo>
+                <a:lnTo>
+                  <a:pt x="0" y="843915"/>
+                </a:lnTo>
+                <a:lnTo>
+                  <a:pt x="2755900" y="843915"/>
+                </a:lnTo>
+                <a:lnTo>
+                  <a:pt x="2755900" y="0"/>
                 </a:lnTo>
                 <a:close/>
               </a:path>
@@ -10768,21 +10761,21 @@
               </a:extLst>
             </a:blip>
             <a:stretch>
-              <a:fillRect/>
+              <a:fillRect t="-9118" b="-9118"/>
             </a:stretch>
           </a:blipFill>
         </p:spPr>
       </p:sp>
       <p:sp>
         <p:nvSpPr>
-          <p:cNvPr id="5" name="TextBox 5"/>
+          <p:cNvPr id="6" name="TextBox 6"/>
           <p:cNvSpPr txBox="1"/>
           <p:nvPr/>
         </p:nvSpPr>
         <p:spPr>
           <a:xfrm>
-            <a:off x="1028700" y="733425"/>
-            <a:ext cx="3091403" cy="1209675"/>
+            <a:off x="1028700" y="438150"/>
+            <a:ext cx="3091403" cy="1504950"/>
           </a:xfrm>
           <a:prstGeom prst="rect">
             <a:avLst/>
@@ -10825,14 +10818,14 @@
       </p:sp>
       <p:sp>
         <p:nvSpPr>
-          <p:cNvPr id="6" name="TextBox 6"/>
+          <p:cNvPr id="7" name="TextBox 7"/>
           <p:cNvSpPr txBox="1"/>
           <p:nvPr/>
         </p:nvSpPr>
         <p:spPr>
           <a:xfrm>
-            <a:off x="10681634" y="7042775"/>
-            <a:ext cx="5524400" cy="1148715"/>
+            <a:off x="10681634" y="6871325"/>
+            <a:ext cx="5524400" cy="1320165"/>
           </a:xfrm>
           <a:prstGeom prst="rect">
             <a:avLst/>
@@ -10875,7 +10868,7 @@
       </p:sp>
       <p:sp>
         <p:nvSpPr>
-          <p:cNvPr id="7" name="TextBox 7"/>
+          <p:cNvPr id="8" name="TextBox 8"/>
           <p:cNvSpPr txBox="1"/>
           <p:nvPr/>
         </p:nvSpPr>
@@ -10984,7 +10977,7 @@
       </p:sp>
       <p:sp>
         <p:nvSpPr>
-          <p:cNvPr id="8" name="Freeform 8"/>
+          <p:cNvPr id="9" name="Freeform 9"/>
           <p:cNvSpPr/>
           <p:nvPr/>
         </p:nvSpPr>
@@ -11029,21 +11022,21 @@
               </a:extLst>
             </a:blip>
             <a:stretch>
-              <a:fillRect/>
+              <a:fillRect t="-1103" b="-1103"/>
             </a:stretch>
           </a:blipFill>
         </p:spPr>
       </p:sp>
       <p:sp>
         <p:nvSpPr>
-          <p:cNvPr id="11" name="TextBox 6"/>
+          <p:cNvPr id="10" name="TextBox 10"/>
           <p:cNvSpPr txBox="1"/>
           <p:nvPr/>
         </p:nvSpPr>
         <p:spPr>
           <a:xfrm>
-            <a:off x="11429713" y="4229100"/>
-            <a:ext cx="6158517" cy="923290"/>
+            <a:off x="11429713" y="4219575"/>
+            <a:ext cx="6158517" cy="932815"/>
           </a:xfrm>
           <a:prstGeom prst="rect">
             <a:avLst/>
@@ -11053,10 +11046,11 @@
           <a:bodyPr lIns="0" tIns="0" rIns="0" bIns="0" rtlCol="0" anchor="t">
             <a:spAutoFit/>
           </a:bodyPr>
+          <a:lstStyle/>
           <a:p>
             <a:pPr algn="ctr">
               <a:lnSpc>
-                <a:spcPct val="100000"/>
+                <a:spcPts val="7200"/>
               </a:lnSpc>
             </a:pPr>
             <a:r>
@@ -11085,7 +11079,7 @@
       </p:sp>
       <p:sp>
         <p:nvSpPr>
-          <p:cNvPr id="12" name="TextBox 7"/>
+          <p:cNvPr id="11" name="TextBox 11"/>
           <p:cNvSpPr txBox="1"/>
           <p:nvPr/>
         </p:nvSpPr>
@@ -11102,6 +11096,7 @@
           <a:bodyPr lIns="0" tIns="0" rIns="0" bIns="0" rtlCol="0" anchor="t">
             <a:spAutoFit/>
           </a:bodyPr>
+          <a:lstStyle/>
           <a:p>
             <a:pPr algn="l">
               <a:lnSpc>
@@ -11159,12 +11154,12 @@
             </a:endParaRPr>
           </a:p>
           <a:p>
-            <a:pPr marL="604520" lvl="1" indent="-302260" algn="l">
+            <a:pPr marL="640080" lvl="2" indent="-213360" algn="l">
               <a:lnSpc>
                 <a:spcPts val="3360"/>
               </a:lnSpc>
               <a:buFont typeface="Arial" panose="020B0604020202020204"/>
-              <a:buChar char="•"/>
+              <a:buChar char="⚬"/>
             </a:pPr>
             <a:r>
               <a:rPr lang="en-US" sz="2800">
@@ -11189,7 +11184,7 @@
             </a:endParaRPr>
           </a:p>
           <a:p>
-            <a:pPr algn="l">
+            <a:pPr marL="640080" lvl="2" indent="-213360" algn="l">
               <a:lnSpc>
                 <a:spcPts val="3360"/>
               </a:lnSpc>
@@ -11217,12 +11212,12 @@
             </a:endParaRPr>
           </a:p>
           <a:p>
-            <a:pPr marL="604520" lvl="1" indent="-302260" algn="l">
+            <a:pPr marL="640080" lvl="2" indent="-213360" algn="l">
               <a:lnSpc>
                 <a:spcPts val="3360"/>
               </a:lnSpc>
               <a:buFont typeface="Arial" panose="020B0604020202020204"/>
-              <a:buChar char="•"/>
+              <a:buChar char="⚬"/>
             </a:pPr>
             <a:r>
               <a:rPr lang="en-US" sz="2800">
@@ -11250,12 +11245,12 @@
       </p:sp>
       <p:sp>
         <p:nvSpPr>
-          <p:cNvPr id="13" name="Freeform 4"/>
+          <p:cNvPr id="12" name="Freeform 12"/>
           <p:cNvSpPr/>
           <p:nvPr/>
         </p:nvSpPr>
         <p:spPr>
-          <a:xfrm rot="20893313">
+          <a:xfrm rot="-706687">
             <a:off x="8529284" y="4345293"/>
             <a:ext cx="2734022" cy="977413"/>
           </a:xfrm>
@@ -11274,10 +11269,10 @@
                   <a:pt x="2734022" y="0"/>
                 </a:lnTo>
                 <a:lnTo>
-                  <a:pt x="2734022" y="977412"/>
-                </a:lnTo>
-                <a:lnTo>
-                  <a:pt x="0" y="977412"/>
+                  <a:pt x="2734022" y="977413"/>
+                </a:lnTo>
+                <a:lnTo>
+                  <a:pt x="0" y="977413"/>
                 </a:lnTo>
                 <a:lnTo>
                   <a:pt x="0" y="0"/>
@@ -11295,19 +11290,19 @@
               </a:extLst>
             </a:blip>
             <a:stretch>
-              <a:fillRect/>
+              <a:fillRect t="-505" b="-505"/>
             </a:stretch>
           </a:blipFill>
         </p:spPr>
       </p:sp>
       <p:sp>
         <p:nvSpPr>
-          <p:cNvPr id="14" name="Freeform 4"/>
+          <p:cNvPr id="13" name="Freeform 13"/>
           <p:cNvSpPr/>
           <p:nvPr/>
         </p:nvSpPr>
         <p:spPr>
-          <a:xfrm rot="20893313">
+          <a:xfrm rot="-706687">
             <a:off x="6014684" y="1221093"/>
             <a:ext cx="2734022" cy="977413"/>
           </a:xfrm>
@@ -11326,10 +11321,10 @@
                   <a:pt x="2734022" y="0"/>
                 </a:lnTo>
                 <a:lnTo>
-                  <a:pt x="2734022" y="977412"/>
-                </a:lnTo>
-                <a:lnTo>
-                  <a:pt x="0" y="977412"/>
+                  <a:pt x="2734022" y="977413"/>
+                </a:lnTo>
+                <a:lnTo>
+                  <a:pt x="0" y="977413"/>
                 </a:lnTo>
                 <a:lnTo>
                   <a:pt x="0" y="0"/>
@@ -11347,14 +11342,14 @@
               </a:extLst>
             </a:blip>
             <a:stretch>
-              <a:fillRect/>
+              <a:fillRect t="-505" b="-505"/>
             </a:stretch>
           </a:blipFill>
         </p:spPr>
       </p:sp>
       <p:sp>
         <p:nvSpPr>
-          <p:cNvPr id="15" name="TextBox 7"/>
+          <p:cNvPr id="14" name="TextBox 14"/>
           <p:cNvSpPr txBox="1"/>
           <p:nvPr/>
         </p:nvSpPr>
@@ -11369,8 +11364,9 @@
         </p:spPr>
         <p:txBody>
           <a:bodyPr lIns="0" tIns="0" rIns="0" bIns="0" rtlCol="0" anchor="t">
-            <a:noAutofit/>
+            <a:spAutoFit/>
           </a:bodyPr>
+          <a:lstStyle/>
           <a:p>
             <a:pPr algn="l">
               <a:lnSpc>
@@ -11399,35 +11395,28 @@
                 <a:cs typeface="DM Sans Bold"/>
                 <a:sym typeface="DM Sans Bold"/>
               </a:rPr>
-              <a:t> GraphSAGE</a:t>
-            </a:r>
-            <a:r>
-              <a:rPr lang="en-US" sz="2800" b="1">
-                <a:solidFill>
-                  <a:srgbClr val="000000"/>
-                </a:solidFill>
-                <a:latin typeface="DM Sans" charset="0"/>
-                <a:ea typeface="DM Sans Bold"/>
-                <a:cs typeface="DM Sans" charset="0"/>
-                <a:sym typeface="DM Sans Bold"/>
-              </a:rPr>
-              <a:t> to replace graph attention, </a:t>
+              <a:t> GraphSAGE to replace graph attention, </a:t>
             </a:r>
             <a:r>
               <a:rPr lang="en-US" sz="2800">
                 <a:solidFill>
                   <a:srgbClr val="000000"/>
                 </a:solidFill>
-                <a:latin typeface="DM Sans" charset="0"/>
-                <a:ea typeface="DM Sans Bold"/>
-                <a:cs typeface="DM Sans" charset="0"/>
-                <a:sym typeface="DM Sans Bold"/>
+                <a:latin typeface="DM Sans"/>
+                <a:ea typeface="DM Sans"/>
+                <a:cs typeface="DM Sans"/>
+                <a:sym typeface="DM Sans"/>
               </a:rPr>
               <a:t>but poor in performance</a:t>
             </a:r>
-            <a:endParaRPr>
-              <a:latin typeface="DM Sans" charset="0"/>
-              <a:cs typeface="DM Sans" charset="0"/>
+            <a:endParaRPr lang="en-US" sz="2800">
+              <a:solidFill>
+                <a:srgbClr val="000000"/>
+              </a:solidFill>
+              <a:latin typeface="DM Sans"/>
+              <a:ea typeface="DM Sans"/>
+              <a:cs typeface="DM Sans"/>
+              <a:sym typeface="DM Sans"/>
             </a:endParaRPr>
           </a:p>
         </p:txBody>
@@ -11488,13 +11477,13 @@
                   <a:pt x="0" y="0"/>
                 </a:moveTo>
                 <a:lnTo>
-                  <a:pt x="19258070" y="0"/>
-                </a:lnTo>
-                <a:lnTo>
-                  <a:pt x="19258070" y="19258070"/>
-                </a:lnTo>
-                <a:lnTo>
-                  <a:pt x="0" y="19258070"/>
+                  <a:pt x="19258069" y="0"/>
+                </a:lnTo>
+                <a:lnTo>
+                  <a:pt x="19258069" y="19258069"/>
+                </a:lnTo>
+                <a:lnTo>
+                  <a:pt x="0" y="19258069"/>
                 </a:lnTo>
                 <a:lnTo>
                   <a:pt x="0" y="0"/>
@@ -11518,47 +11507,69 @@
           </a:blipFill>
         </p:spPr>
       </p:sp>
-      <p:pic>
-        <p:nvPicPr>
-          <p:cNvPr id="5" name="图片 4" descr="experiment"/>
-          <p:cNvPicPr>
-            <a:picLocks noChangeAspect="1"/>
-          </p:cNvPicPr>
-          <p:nvPr/>
-        </p:nvPicPr>
-        <p:blipFill>
-          <a:blip r:embed="rId3"/>
-          <a:stretch>
-            <a:fillRect/>
-          </a:stretch>
-        </p:blipFill>
+      <p:sp>
+        <p:nvSpPr>
+          <p:cNvPr id="3" name="Freeform 3" descr="experiment"/>
+          <p:cNvSpPr/>
+          <p:nvPr/>
+        </p:nvSpPr>
         <p:spPr>
           <a:xfrm>
             <a:off x="381000" y="2324100"/>
             <a:ext cx="17573625" cy="7562850"/>
           </a:xfrm>
+          <a:custGeom>
+            <a:avLst/>
+            <a:gdLst/>
+            <a:ahLst/>
+            <a:cxnLst/>
+            <a:rect l="l" t="t" r="r" b="b"/>
+            <a:pathLst>
+              <a:path w="17573625" h="7562850">
+                <a:moveTo>
+                  <a:pt x="0" y="0"/>
+                </a:moveTo>
+                <a:lnTo>
+                  <a:pt x="17573625" y="0"/>
+                </a:lnTo>
+                <a:lnTo>
+                  <a:pt x="17573625" y="7562850"/>
+                </a:lnTo>
+                <a:lnTo>
+                  <a:pt x="0" y="7562850"/>
+                </a:lnTo>
+                <a:lnTo>
+                  <a:pt x="0" y="0"/>
+                </a:lnTo>
+                <a:close/>
+              </a:path>
+            </a:pathLst>
+          </a:custGeom>
+          <a:blipFill>
+            <a:blip r:embed="rId3"/>
+            <a:stretch>
+              <a:fillRect/>
+            </a:stretch>
+          </a:blipFill>
+        </p:spPr>
+      </p:sp>
+      <p:sp>
+        <p:nvSpPr>
+          <p:cNvPr id="4" name="TextBox 4"/>
+          <p:cNvSpPr txBox="1"/>
+          <p:nvPr/>
+        </p:nvSpPr>
+        <p:spPr>
+          <a:xfrm>
+            <a:off x="381000" y="173355"/>
+            <a:ext cx="7875270" cy="1625600"/>
+          </a:xfrm>
           <a:prstGeom prst="rect">
             <a:avLst/>
           </a:prstGeom>
         </p:spPr>
-      </p:pic>
-      <p:sp>
-        <p:nvSpPr>
-          <p:cNvPr id="6" name="TextBox 5"/>
-          <p:cNvSpPr txBox="1"/>
-          <p:nvPr/>
-        </p:nvSpPr>
-        <p:spPr>
-          <a:xfrm>
-            <a:off x="381000" y="506730"/>
-            <a:ext cx="7875270" cy="1292225"/>
-          </a:xfrm>
-          <a:prstGeom prst="rect">
-            <a:avLst/>
-          </a:prstGeom>
-        </p:spPr>
         <p:txBody>
-          <a:bodyPr wrap="square" lIns="0" tIns="0" rIns="0" bIns="0" rtlCol="0" anchor="t">
+          <a:bodyPr lIns="0" tIns="0" rIns="0" bIns="0" rtlCol="0" anchor="t">
             <a:spAutoFit/>
           </a:bodyPr>
           <a:lstStyle/>
